--- a/infocom21.pptx
+++ b/infocom21.pptx
@@ -107,6 +107,11 @@
       </a:defRPr>
     </a:lvl9pPr>
   </p:defaultTextStyle>
+  <p:extLst>
+    <p:ext uri="{EFAFB233-063F-42B5-8137-9DF3F51BA10A}">
+      <p15:sldGuideLst xmlns:p15="http://schemas.microsoft.com/office/powerpoint/2012/main"/>
+    </p:ext>
+  </p:extLst>
 </p:presentation>
 </file>
 
@@ -1856,7 +1861,7 @@
                 </a:solidFill>
                 <a:latin typeface="Calibri"/>
               </a:rPr>
-              <a:t>6/27/2020</a:t>
+              <a:t>7/4/2020</a:t>
             </a:fld>
             <a:endParaRPr lang="en-US" sz="1200" b="0" strike="noStrike" spc="-1">
               <a:latin typeface="Times New Roman"/>
@@ -6615,6 +6620,14 @@
 <file path=ppt/slides/slide2.xml><?xml version="1.0" encoding="utf-8"?>
 <p:sld xmlns:a="http://schemas.openxmlformats.org/drawingml/2006/main" xmlns:r="http://schemas.openxmlformats.org/officeDocument/2006/relationships" xmlns:p="http://schemas.openxmlformats.org/presentationml/2006/main">
   <p:cSld>
+    <p:bg>
+      <p:bgPr>
+        <a:solidFill>
+          <a:schemeClr val="bg2"/>
+        </a:solidFill>
+        <a:effectLst/>
+      </p:bgPr>
+    </p:bg>
     <p:spTree>
       <p:nvGrpSpPr>
         <p:cNvPr id="1" name=""/>
@@ -11627,38 +11640,6 @@
           </a:effectRef>
           <a:fontRef idx="minor"/>
         </p:style>
-      </p:sp>
-      <p:sp>
-        <p:nvSpPr>
-          <p:cNvPr id="210" name="TextShape 92"/>
-          <p:cNvSpPr txBox="1"/>
-          <p:nvPr/>
-        </p:nvSpPr>
-        <p:spPr>
-          <a:xfrm>
-            <a:off x="457200" y="274320"/>
-            <a:ext cx="1828800" cy="346320"/>
-          </a:xfrm>
-          <a:prstGeom prst="rect">
-            <a:avLst/>
-          </a:prstGeom>
-          <a:noFill/>
-          <a:ln>
-            <a:noFill/>
-          </a:ln>
-        </p:spPr>
-        <p:txBody>
-          <a:bodyPr lIns="90000" tIns="45000" rIns="90000" bIns="45000"/>
-          <a:lstStyle/>
-          <a:p>
-            <a:r>
-              <a:rPr lang="en-US" sz="1800" b="0" strike="noStrike" spc="-1" dirty="0">
-                <a:latin typeface="Arial"/>
-              </a:rPr>
-              <a:t>V1</a:t>
-            </a:r>
-          </a:p>
-        </p:txBody>
       </p:sp>
       <p:sp>
         <p:nvSpPr>
@@ -17187,8 +17168,17 @@
               <a:rPr lang="en-US" sz="1800" b="0" strike="noStrike" spc="-1" dirty="0">
                 <a:latin typeface="Arial"/>
               </a:rPr>
-              <a:t>V2</a:t>
+              <a:t>V</a:t>
             </a:r>
+            <a:r>
+              <a:rPr lang="en-US" altLang="zh-CN" sz="1800" b="0" strike="noStrike" spc="-1" dirty="0">
+                <a:latin typeface="Arial"/>
+              </a:rPr>
+              <a:t>1</a:t>
+            </a:r>
+            <a:endParaRPr lang="en-US" sz="1800" b="0" strike="noStrike" spc="-1" dirty="0">
+              <a:latin typeface="Arial"/>
+            </a:endParaRPr>
           </a:p>
         </p:txBody>
       </p:sp>
@@ -22605,16 +22595,16 @@
           <a:lstStyle/>
           <a:p>
             <a:r>
-              <a:rPr lang="en-US" sz="1800" b="0" strike="noStrike" spc="-1">
+              <a:rPr lang="en-US" sz="1800" b="0" strike="noStrike" spc="-1" dirty="0">
                 <a:latin typeface="Arial"/>
               </a:rPr>
               <a:t>V</a:t>
             </a:r>
             <a:r>
-              <a:rPr lang="en-US" spc="-1" dirty="0">
+              <a:rPr lang="en-US" altLang="zh-CN" sz="1800" b="0" strike="noStrike" spc="-1" dirty="0">
                 <a:latin typeface="Arial"/>
               </a:rPr>
-              <a:t>3</a:t>
+              <a:t>2</a:t>
             </a:r>
             <a:endParaRPr lang="en-US" sz="1800" b="0" strike="noStrike" spc="-1" dirty="0">
               <a:latin typeface="Arial"/>

--- a/infocom21.pptx
+++ b/infocom21.pptx
@@ -9,6 +9,7 @@
     <p:sldId id="257" r:id="rId3"/>
     <p:sldId id="260" r:id="rId4"/>
     <p:sldId id="261" r:id="rId5"/>
+    <p:sldId id="263" r:id="rId6"/>
   </p:sldIdLst>
   <p:sldSz cx="12192000" cy="6858000"/>
   <p:notesSz cx="7772400" cy="10058400"/>
@@ -1861,7 +1862,7 @@
                 </a:solidFill>
                 <a:latin typeface="Calibri"/>
               </a:rPr>
-              <a:t>7/4/2020</a:t>
+              <a:t>7/7/2020</a:t>
             </a:fld>
             <a:endParaRPr lang="en-US" sz="1200" b="0" strike="noStrike" spc="-1">
               <a:latin typeface="Times New Roman"/>
@@ -23280,6 +23281,4933 @@
 </p:sld>
 </file>
 
+<file path=ppt/slides/slide5.xml><?xml version="1.0" encoding="utf-8"?>
+<p:sld xmlns:a="http://schemas.openxmlformats.org/drawingml/2006/main" xmlns:r="http://schemas.openxmlformats.org/officeDocument/2006/relationships" xmlns:p="http://schemas.openxmlformats.org/presentationml/2006/main">
+  <p:cSld>
+    <p:spTree>
+      <p:nvGrpSpPr>
+        <p:cNvPr id="1" name=""/>
+        <p:cNvGrpSpPr/>
+        <p:nvPr/>
+      </p:nvGrpSpPr>
+      <p:grpSpPr>
+        <a:xfrm>
+          <a:off x="0" y="0"/>
+          <a:ext cx="0" cy="0"/>
+          <a:chOff x="0" y="0"/>
+          <a:chExt cx="0" cy="0"/>
+        </a:xfrm>
+      </p:grpSpPr>
+      <p:sp>
+        <p:nvSpPr>
+          <p:cNvPr id="41" name="CustomShape 1"/>
+          <p:cNvSpPr/>
+          <p:nvPr/>
+        </p:nvSpPr>
+        <p:spPr>
+          <a:xfrm>
+            <a:off x="3680280" y="2579040"/>
+            <a:ext cx="1645920" cy="566280"/>
+          </a:xfrm>
+          <a:prstGeom prst="roundRect">
+            <a:avLst>
+              <a:gd name="adj" fmla="val 16667"/>
+            </a:avLst>
+          </a:prstGeom>
+          <a:solidFill>
+            <a:schemeClr val="bg1"/>
+          </a:solidFill>
+          <a:ln w="38160">
+            <a:solidFill>
+              <a:srgbClr val="00B050"/>
+            </a:solidFill>
+            <a:custDash>
+              <a:ds d="800000" sp="300000"/>
+            </a:custDash>
+          </a:ln>
+        </p:spPr>
+        <p:style>
+          <a:lnRef idx="2">
+            <a:schemeClr val="accent1">
+              <a:shade val="50000"/>
+            </a:schemeClr>
+          </a:lnRef>
+          <a:fillRef idx="1">
+            <a:schemeClr val="accent1"/>
+          </a:fillRef>
+          <a:effectRef idx="0">
+            <a:schemeClr val="accent1"/>
+          </a:effectRef>
+          <a:fontRef idx="minor"/>
+        </p:style>
+        <p:txBody>
+          <a:bodyPr lIns="90000" tIns="45000" rIns="90000" bIns="45000" anchor="ctr"/>
+          <a:lstStyle/>
+          <a:p>
+            <a:pPr algn="ctr">
+              <a:lnSpc>
+                <a:spcPct val="100000"/>
+              </a:lnSpc>
+            </a:pPr>
+            <a:r>
+              <a:rPr lang="en-US" sz="1600" b="0" strike="noStrike" spc="-1">
+                <a:solidFill>
+                  <a:srgbClr val="000000"/>
+                </a:solidFill>
+                <a:latin typeface="Times New Roman"/>
+              </a:rPr>
+              <a:t>Speaker Encoder LSTM</a:t>
+            </a:r>
+            <a:endParaRPr lang="en-US" sz="1600" b="0" strike="noStrike" spc="-1">
+              <a:latin typeface="Arial"/>
+            </a:endParaRPr>
+          </a:p>
+        </p:txBody>
+      </p:sp>
+      <p:grpSp>
+        <p:nvGrpSpPr>
+          <p:cNvPr id="42" name="Group 2"/>
+          <p:cNvGrpSpPr/>
+          <p:nvPr/>
+        </p:nvGrpSpPr>
+        <p:grpSpPr>
+          <a:xfrm>
+            <a:off x="1410480" y="2540520"/>
+            <a:ext cx="1935360" cy="655200"/>
+            <a:chOff x="1410480" y="2540520"/>
+            <a:chExt cx="1935360" cy="655200"/>
+          </a:xfrm>
+        </p:grpSpPr>
+        <p:sp>
+          <p:nvSpPr>
+            <p:cNvPr id="43" name="CustomShape 3"/>
+            <p:cNvSpPr/>
+            <p:nvPr/>
+          </p:nvSpPr>
+          <p:spPr>
+            <a:xfrm>
+              <a:off x="1410480" y="2549880"/>
+              <a:ext cx="1935360" cy="645840"/>
+            </a:xfrm>
+            <a:prstGeom prst="roundRect">
+              <a:avLst>
+                <a:gd name="adj" fmla="val 16667"/>
+              </a:avLst>
+            </a:prstGeom>
+            <a:solidFill>
+              <a:srgbClr val="ECE0EE"/>
+            </a:solidFill>
+            <a:ln w="28440">
+              <a:solidFill>
+                <a:srgbClr val="ED4390"/>
+              </a:solidFill>
+            </a:ln>
+          </p:spPr>
+          <p:style>
+            <a:lnRef idx="2">
+              <a:schemeClr val="accent1">
+                <a:shade val="50000"/>
+              </a:schemeClr>
+            </a:lnRef>
+            <a:fillRef idx="1">
+              <a:schemeClr val="accent1"/>
+            </a:fillRef>
+            <a:effectRef idx="0">
+              <a:schemeClr val="accent1"/>
+            </a:effectRef>
+            <a:fontRef idx="minor"/>
+          </p:style>
+        </p:sp>
+        <p:sp>
+          <p:nvSpPr>
+            <p:cNvPr id="44" name="CustomShape 4"/>
+            <p:cNvSpPr/>
+            <p:nvPr/>
+          </p:nvSpPr>
+          <p:spPr>
+            <a:xfrm>
+              <a:off x="1653480" y="2540520"/>
+              <a:ext cx="1449360" cy="639000"/>
+            </a:xfrm>
+            <a:prstGeom prst="rect">
+              <a:avLst/>
+            </a:prstGeom>
+            <a:noFill/>
+            <a:ln>
+              <a:noFill/>
+            </a:ln>
+          </p:spPr>
+          <p:style>
+            <a:lnRef idx="0">
+              <a:scrgbClr r="0" g="0" b="0"/>
+            </a:lnRef>
+            <a:fillRef idx="0">
+              <a:scrgbClr r="0" g="0" b="0"/>
+            </a:fillRef>
+            <a:effectRef idx="0">
+              <a:scrgbClr r="0" g="0" b="0"/>
+            </a:effectRef>
+            <a:fontRef idx="minor"/>
+          </p:style>
+          <p:txBody>
+            <a:bodyPr lIns="90000" tIns="45000" rIns="90000" bIns="45000"/>
+            <a:lstStyle/>
+            <a:p>
+              <a:pPr algn="ctr">
+                <a:lnSpc>
+                  <a:spcPct val="100000"/>
+                </a:lnSpc>
+              </a:pPr>
+              <a:r>
+                <a:rPr lang="en-US" sz="1800" b="0" strike="noStrike" spc="-1">
+                  <a:solidFill>
+                    <a:srgbClr val="000000"/>
+                  </a:solidFill>
+                  <a:latin typeface="Times New Roman"/>
+                </a:rPr>
+                <a:t>Reference </a:t>
+              </a:r>
+              <a:endParaRPr lang="en-US" sz="1800" b="0" strike="noStrike" spc="-1">
+                <a:latin typeface="Arial"/>
+              </a:endParaRPr>
+            </a:p>
+            <a:p>
+              <a:pPr algn="ctr">
+                <a:lnSpc>
+                  <a:spcPct val="100000"/>
+                </a:lnSpc>
+              </a:pPr>
+              <a:r>
+                <a:rPr lang="en-US" sz="1800" b="0" strike="noStrike" spc="-1">
+                  <a:solidFill>
+                    <a:srgbClr val="000000"/>
+                  </a:solidFill>
+                  <a:latin typeface="Times New Roman"/>
+                </a:rPr>
+                <a:t>Audio</a:t>
+              </a:r>
+              <a:endParaRPr lang="en-US" sz="1800" b="0" strike="noStrike" spc="-1">
+                <a:latin typeface="Arial"/>
+              </a:endParaRPr>
+            </a:p>
+          </p:txBody>
+        </p:sp>
+      </p:grpSp>
+      <p:grpSp>
+        <p:nvGrpSpPr>
+          <p:cNvPr id="45" name="Group 5"/>
+          <p:cNvGrpSpPr/>
+          <p:nvPr/>
+        </p:nvGrpSpPr>
+        <p:grpSpPr>
+          <a:xfrm>
+            <a:off x="1410480" y="3433320"/>
+            <a:ext cx="1935360" cy="655560"/>
+            <a:chOff x="1410480" y="3433320"/>
+            <a:chExt cx="1935360" cy="655560"/>
+          </a:xfrm>
+        </p:grpSpPr>
+        <p:sp>
+          <p:nvSpPr>
+            <p:cNvPr id="46" name="CustomShape 6"/>
+            <p:cNvSpPr/>
+            <p:nvPr/>
+          </p:nvSpPr>
+          <p:spPr>
+            <a:xfrm>
+              <a:off x="1410480" y="3443040"/>
+              <a:ext cx="1935360" cy="645840"/>
+            </a:xfrm>
+            <a:prstGeom prst="roundRect">
+              <a:avLst>
+                <a:gd name="adj" fmla="val 16667"/>
+              </a:avLst>
+            </a:prstGeom>
+            <a:solidFill>
+              <a:srgbClr val="ECE0EE"/>
+            </a:solidFill>
+            <a:ln w="28440">
+              <a:solidFill>
+                <a:srgbClr val="ED4390"/>
+              </a:solidFill>
+            </a:ln>
+          </p:spPr>
+          <p:style>
+            <a:lnRef idx="2">
+              <a:schemeClr val="accent1">
+                <a:shade val="50000"/>
+              </a:schemeClr>
+            </a:lnRef>
+            <a:fillRef idx="1">
+              <a:schemeClr val="accent1"/>
+            </a:fillRef>
+            <a:effectRef idx="0">
+              <a:schemeClr val="accent1"/>
+            </a:effectRef>
+            <a:fontRef idx="minor"/>
+          </p:style>
+        </p:sp>
+        <p:sp>
+          <p:nvSpPr>
+            <p:cNvPr id="47" name="CustomShape 7"/>
+            <p:cNvSpPr/>
+            <p:nvPr/>
+          </p:nvSpPr>
+          <p:spPr>
+            <a:xfrm>
+              <a:off x="1653480" y="3433320"/>
+              <a:ext cx="1449360" cy="639000"/>
+            </a:xfrm>
+            <a:prstGeom prst="rect">
+              <a:avLst/>
+            </a:prstGeom>
+            <a:noFill/>
+            <a:ln>
+              <a:noFill/>
+            </a:ln>
+          </p:spPr>
+          <p:style>
+            <a:lnRef idx="0">
+              <a:scrgbClr r="0" g="0" b="0"/>
+            </a:lnRef>
+            <a:fillRef idx="0">
+              <a:scrgbClr r="0" g="0" b="0"/>
+            </a:fillRef>
+            <a:effectRef idx="0">
+              <a:scrgbClr r="0" g="0" b="0"/>
+            </a:effectRef>
+            <a:fontRef idx="minor"/>
+          </p:style>
+          <p:txBody>
+            <a:bodyPr lIns="90000" tIns="45000" rIns="90000" bIns="45000"/>
+            <a:lstStyle/>
+            <a:p>
+              <a:pPr algn="ctr">
+                <a:lnSpc>
+                  <a:spcPct val="100000"/>
+                </a:lnSpc>
+              </a:pPr>
+              <a:r>
+                <a:rPr lang="en-US" sz="1800" b="0" strike="noStrike" spc="-1" dirty="0">
+                  <a:solidFill>
+                    <a:srgbClr val="000000"/>
+                  </a:solidFill>
+                  <a:latin typeface="Times New Roman"/>
+                </a:rPr>
+                <a:t>Mixed </a:t>
+              </a:r>
+              <a:endParaRPr lang="en-US" sz="1800" b="0" strike="noStrike" spc="-1" dirty="0">
+                <a:latin typeface="Arial"/>
+              </a:endParaRPr>
+            </a:p>
+            <a:p>
+              <a:pPr algn="ctr">
+                <a:lnSpc>
+                  <a:spcPct val="100000"/>
+                </a:lnSpc>
+              </a:pPr>
+              <a:r>
+                <a:rPr lang="en-US" sz="1800" b="0" strike="noStrike" spc="-1" dirty="0">
+                  <a:solidFill>
+                    <a:srgbClr val="000000"/>
+                  </a:solidFill>
+                  <a:latin typeface="Times New Roman"/>
+                </a:rPr>
+                <a:t>Audio</a:t>
+              </a:r>
+              <a:endParaRPr lang="en-US" sz="1800" b="0" strike="noStrike" spc="-1" dirty="0">
+                <a:latin typeface="Arial"/>
+              </a:endParaRPr>
+            </a:p>
+          </p:txBody>
+        </p:sp>
+      </p:grpSp>
+      <p:grpSp>
+        <p:nvGrpSpPr>
+          <p:cNvPr id="48" name="Group 8"/>
+          <p:cNvGrpSpPr/>
+          <p:nvPr/>
+        </p:nvGrpSpPr>
+        <p:grpSpPr>
+          <a:xfrm>
+            <a:off x="1474920" y="4663080"/>
+            <a:ext cx="1935360" cy="655200"/>
+            <a:chOff x="1474920" y="4663080"/>
+            <a:chExt cx="1935360" cy="655200"/>
+          </a:xfrm>
+        </p:grpSpPr>
+        <p:sp>
+          <p:nvSpPr>
+            <p:cNvPr id="49" name="CustomShape 9"/>
+            <p:cNvSpPr/>
+            <p:nvPr/>
+          </p:nvSpPr>
+          <p:spPr>
+            <a:xfrm>
+              <a:off x="1474920" y="4672440"/>
+              <a:ext cx="1935360" cy="645840"/>
+            </a:xfrm>
+            <a:prstGeom prst="roundRect">
+              <a:avLst>
+                <a:gd name="adj" fmla="val 16667"/>
+              </a:avLst>
+            </a:prstGeom>
+            <a:solidFill>
+              <a:srgbClr val="ECE0EE"/>
+            </a:solidFill>
+            <a:ln w="28440">
+              <a:solidFill>
+                <a:srgbClr val="ED4390"/>
+              </a:solidFill>
+            </a:ln>
+          </p:spPr>
+          <p:style>
+            <a:lnRef idx="2">
+              <a:schemeClr val="accent1">
+                <a:shade val="50000"/>
+              </a:schemeClr>
+            </a:lnRef>
+            <a:fillRef idx="1">
+              <a:schemeClr val="accent1"/>
+            </a:fillRef>
+            <a:effectRef idx="0">
+              <a:schemeClr val="accent1"/>
+            </a:effectRef>
+            <a:fontRef idx="minor"/>
+          </p:style>
+        </p:sp>
+        <p:sp>
+          <p:nvSpPr>
+            <p:cNvPr id="50" name="CustomShape 10"/>
+            <p:cNvSpPr/>
+            <p:nvPr/>
+          </p:nvSpPr>
+          <p:spPr>
+            <a:xfrm>
+              <a:off x="1717920" y="4663080"/>
+              <a:ext cx="1449360" cy="639000"/>
+            </a:xfrm>
+            <a:prstGeom prst="rect">
+              <a:avLst/>
+            </a:prstGeom>
+            <a:noFill/>
+            <a:ln>
+              <a:noFill/>
+            </a:ln>
+          </p:spPr>
+          <p:style>
+            <a:lnRef idx="0">
+              <a:scrgbClr r="0" g="0" b="0"/>
+            </a:lnRef>
+            <a:fillRef idx="0">
+              <a:scrgbClr r="0" g="0" b="0"/>
+            </a:fillRef>
+            <a:effectRef idx="0">
+              <a:scrgbClr r="0" g="0" b="0"/>
+            </a:effectRef>
+            <a:fontRef idx="minor"/>
+          </p:style>
+          <p:txBody>
+            <a:bodyPr lIns="90000" tIns="45000" rIns="90000" bIns="45000"/>
+            <a:lstStyle/>
+            <a:p>
+              <a:pPr algn="ctr">
+                <a:lnSpc>
+                  <a:spcPct val="100000"/>
+                </a:lnSpc>
+              </a:pPr>
+              <a:r>
+                <a:rPr lang="en-US" sz="1800" b="0" strike="noStrike" spc="-1">
+                  <a:solidFill>
+                    <a:srgbClr val="000000"/>
+                  </a:solidFill>
+                  <a:latin typeface="Times New Roman"/>
+                </a:rPr>
+                <a:t>Clean </a:t>
+              </a:r>
+              <a:endParaRPr lang="en-US" sz="1800" b="0" strike="noStrike" spc="-1">
+                <a:latin typeface="Arial"/>
+              </a:endParaRPr>
+            </a:p>
+            <a:p>
+              <a:pPr algn="ctr">
+                <a:lnSpc>
+                  <a:spcPct val="100000"/>
+                </a:lnSpc>
+              </a:pPr>
+              <a:r>
+                <a:rPr lang="en-US" sz="1800" b="0" strike="noStrike" spc="-1">
+                  <a:solidFill>
+                    <a:srgbClr val="000000"/>
+                  </a:solidFill>
+                  <a:latin typeface="Times New Roman"/>
+                </a:rPr>
+                <a:t>Audio</a:t>
+              </a:r>
+              <a:endParaRPr lang="en-US" sz="1800" b="0" strike="noStrike" spc="-1">
+                <a:latin typeface="Arial"/>
+              </a:endParaRPr>
+            </a:p>
+          </p:txBody>
+        </p:sp>
+      </p:grpSp>
+      <p:grpSp>
+        <p:nvGrpSpPr>
+          <p:cNvPr id="51" name="Group 11"/>
+          <p:cNvGrpSpPr/>
+          <p:nvPr/>
+        </p:nvGrpSpPr>
+        <p:grpSpPr>
+          <a:xfrm>
+            <a:off x="4528444" y="3459600"/>
+            <a:ext cx="1433162" cy="655200"/>
+            <a:chOff x="4528440" y="3459600"/>
+            <a:chExt cx="1645920" cy="655200"/>
+          </a:xfrm>
+        </p:grpSpPr>
+        <p:sp>
+          <p:nvSpPr>
+            <p:cNvPr id="52" name="CustomShape 12"/>
+            <p:cNvSpPr/>
+            <p:nvPr/>
+          </p:nvSpPr>
+          <p:spPr>
+            <a:xfrm>
+              <a:off x="4528440" y="3468960"/>
+              <a:ext cx="1645920" cy="645840"/>
+            </a:xfrm>
+            <a:prstGeom prst="roundRect">
+              <a:avLst>
+                <a:gd name="adj" fmla="val 16667"/>
+              </a:avLst>
+            </a:prstGeom>
+            <a:solidFill>
+              <a:srgbClr val="CCCCFF"/>
+            </a:solidFill>
+            <a:ln w="28440">
+              <a:solidFill>
+                <a:srgbClr val="8397CF"/>
+              </a:solidFill>
+            </a:ln>
+          </p:spPr>
+          <p:style>
+            <a:lnRef idx="2">
+              <a:schemeClr val="accent1">
+                <a:shade val="50000"/>
+              </a:schemeClr>
+            </a:lnRef>
+            <a:fillRef idx="1">
+              <a:schemeClr val="accent1"/>
+            </a:fillRef>
+            <a:effectRef idx="0">
+              <a:schemeClr val="accent1"/>
+            </a:effectRef>
+            <a:fontRef idx="minor"/>
+          </p:style>
+        </p:sp>
+        <p:sp>
+          <p:nvSpPr>
+            <p:cNvPr id="53" name="CustomShape 13"/>
+            <p:cNvSpPr/>
+            <p:nvPr/>
+          </p:nvSpPr>
+          <p:spPr>
+            <a:xfrm>
+              <a:off x="4529189" y="3459600"/>
+              <a:ext cx="1574826" cy="639000"/>
+            </a:xfrm>
+            <a:prstGeom prst="rect">
+              <a:avLst/>
+            </a:prstGeom>
+            <a:noFill/>
+            <a:ln>
+              <a:noFill/>
+            </a:ln>
+          </p:spPr>
+          <p:style>
+            <a:lnRef idx="0">
+              <a:scrgbClr r="0" g="0" b="0"/>
+            </a:lnRef>
+            <a:fillRef idx="0">
+              <a:scrgbClr r="0" g="0" b="0"/>
+            </a:fillRef>
+            <a:effectRef idx="0">
+              <a:scrgbClr r="0" g="0" b="0"/>
+            </a:effectRef>
+            <a:fontRef idx="minor"/>
+          </p:style>
+          <p:txBody>
+            <a:bodyPr lIns="90000" tIns="45000" rIns="90000" bIns="45000"/>
+            <a:lstStyle/>
+            <a:p>
+              <a:pPr algn="ctr">
+                <a:lnSpc>
+                  <a:spcPct val="100000"/>
+                </a:lnSpc>
+              </a:pPr>
+              <a:r>
+                <a:rPr lang="en-US" altLang="zh-CN" spc="-1" dirty="0">
+                  <a:solidFill>
+                    <a:srgbClr val="000000"/>
+                  </a:solidFill>
+                  <a:latin typeface="Times New Roman"/>
+                </a:rPr>
+                <a:t>Mixed</a:t>
+              </a:r>
+              <a:endParaRPr lang="en-US" sz="1800" b="0" strike="noStrike" spc="-1" dirty="0">
+                <a:latin typeface="Arial"/>
+              </a:endParaRPr>
+            </a:p>
+            <a:p>
+              <a:pPr algn="ctr">
+                <a:lnSpc>
+                  <a:spcPct val="100000"/>
+                </a:lnSpc>
+              </a:pPr>
+              <a:r>
+                <a:rPr lang="en-US" sz="1800" b="0" strike="noStrike" spc="-1" dirty="0">
+                  <a:solidFill>
+                    <a:srgbClr val="000000"/>
+                  </a:solidFill>
+                  <a:latin typeface="Times New Roman"/>
+                </a:rPr>
+                <a:t>Spectrogram</a:t>
+              </a:r>
+              <a:endParaRPr lang="en-US" sz="1800" b="0" strike="noStrike" spc="-1" dirty="0">
+                <a:latin typeface="Arial"/>
+              </a:endParaRPr>
+            </a:p>
+          </p:txBody>
+        </p:sp>
+      </p:grpSp>
+      <p:sp>
+        <p:nvSpPr>
+          <p:cNvPr id="54" name="CustomShape 14"/>
+          <p:cNvSpPr/>
+          <p:nvPr/>
+        </p:nvSpPr>
+        <p:spPr>
+          <a:xfrm>
+            <a:off x="1410480" y="4514040"/>
+            <a:ext cx="5185800" cy="1001880"/>
+          </a:xfrm>
+          <a:prstGeom prst="roundRect">
+            <a:avLst>
+              <a:gd name="adj" fmla="val 16667"/>
+            </a:avLst>
+          </a:prstGeom>
+          <a:noFill/>
+          <a:ln w="38160">
+            <a:solidFill>
+              <a:srgbClr val="7030A0"/>
+            </a:solidFill>
+            <a:custDash>
+              <a:ds d="800000" sp="300000"/>
+            </a:custDash>
+          </a:ln>
+        </p:spPr>
+        <p:style>
+          <a:lnRef idx="2">
+            <a:schemeClr val="accent1">
+              <a:shade val="50000"/>
+            </a:schemeClr>
+          </a:lnRef>
+          <a:fillRef idx="1">
+            <a:schemeClr val="accent1"/>
+          </a:fillRef>
+          <a:effectRef idx="0">
+            <a:schemeClr val="accent1"/>
+          </a:effectRef>
+          <a:fontRef idx="minor"/>
+        </p:style>
+      </p:sp>
+      <p:grpSp>
+        <p:nvGrpSpPr>
+          <p:cNvPr id="55" name="Group 15"/>
+          <p:cNvGrpSpPr/>
+          <p:nvPr/>
+        </p:nvGrpSpPr>
+        <p:grpSpPr>
+          <a:xfrm>
+            <a:off x="3487320" y="4830480"/>
+            <a:ext cx="1233000" cy="383040"/>
+            <a:chOff x="3487320" y="4830480"/>
+            <a:chExt cx="1233000" cy="383040"/>
+          </a:xfrm>
+        </p:grpSpPr>
+        <p:sp>
+          <p:nvSpPr>
+            <p:cNvPr id="56" name="CustomShape 16"/>
+            <p:cNvSpPr/>
+            <p:nvPr/>
+          </p:nvSpPr>
+          <p:spPr>
+            <a:xfrm>
+              <a:off x="3687120" y="4830480"/>
+              <a:ext cx="833400" cy="369000"/>
+            </a:xfrm>
+            <a:prstGeom prst="roundRect">
+              <a:avLst>
+                <a:gd name="adj" fmla="val 0"/>
+              </a:avLst>
+            </a:prstGeom>
+            <a:noFill/>
+            <a:ln w="38160">
+              <a:solidFill>
+                <a:srgbClr val="002060"/>
+              </a:solidFill>
+            </a:ln>
+          </p:spPr>
+          <p:style>
+            <a:lnRef idx="2">
+              <a:schemeClr val="accent1">
+                <a:shade val="50000"/>
+              </a:schemeClr>
+            </a:lnRef>
+            <a:fillRef idx="1">
+              <a:schemeClr val="accent1"/>
+            </a:fillRef>
+            <a:effectRef idx="0">
+              <a:schemeClr val="accent1"/>
+            </a:effectRef>
+            <a:fontRef idx="minor"/>
+          </p:style>
+        </p:sp>
+        <p:sp>
+          <p:nvSpPr>
+            <p:cNvPr id="57" name="CustomShape 17"/>
+            <p:cNvSpPr/>
+            <p:nvPr/>
+          </p:nvSpPr>
+          <p:spPr>
+            <a:xfrm>
+              <a:off x="3487320" y="4848840"/>
+              <a:ext cx="1233000" cy="364680"/>
+            </a:xfrm>
+            <a:prstGeom prst="rect">
+              <a:avLst/>
+            </a:prstGeom>
+            <a:noFill/>
+            <a:ln>
+              <a:noFill/>
+            </a:ln>
+          </p:spPr>
+          <p:style>
+            <a:lnRef idx="0">
+              <a:scrgbClr r="0" g="0" b="0"/>
+            </a:lnRef>
+            <a:fillRef idx="0">
+              <a:scrgbClr r="0" g="0" b="0"/>
+            </a:fillRef>
+            <a:effectRef idx="0">
+              <a:scrgbClr r="0" g="0" b="0"/>
+            </a:effectRef>
+            <a:fontRef idx="minor"/>
+          </p:style>
+          <p:txBody>
+            <a:bodyPr lIns="90000" tIns="45000" rIns="90000" bIns="45000"/>
+            <a:lstStyle/>
+            <a:p>
+              <a:pPr algn="ctr">
+                <a:lnSpc>
+                  <a:spcPct val="100000"/>
+                </a:lnSpc>
+              </a:pPr>
+              <a:r>
+                <a:rPr lang="en-US" sz="1800" b="0" strike="noStrike" spc="-1">
+                  <a:solidFill>
+                    <a:srgbClr val="000000"/>
+                  </a:solidFill>
+                  <a:latin typeface="Times New Roman"/>
+                </a:rPr>
+                <a:t>STFT</a:t>
+              </a:r>
+              <a:endParaRPr lang="en-US" sz="1800" b="0" strike="noStrike" spc="-1">
+                <a:latin typeface="Arial"/>
+              </a:endParaRPr>
+            </a:p>
+          </p:txBody>
+        </p:sp>
+      </p:grpSp>
+      <p:grpSp>
+        <p:nvGrpSpPr>
+          <p:cNvPr id="58" name="Group 18"/>
+          <p:cNvGrpSpPr/>
+          <p:nvPr/>
+        </p:nvGrpSpPr>
+        <p:grpSpPr>
+          <a:xfrm>
+            <a:off x="4797000" y="4653720"/>
+            <a:ext cx="1650960" cy="656640"/>
+            <a:chOff x="4797000" y="4653720"/>
+            <a:chExt cx="1650960" cy="656640"/>
+          </a:xfrm>
+        </p:grpSpPr>
+        <p:sp>
+          <p:nvSpPr>
+            <p:cNvPr id="59" name="CustomShape 19"/>
+            <p:cNvSpPr/>
+            <p:nvPr/>
+          </p:nvSpPr>
+          <p:spPr>
+            <a:xfrm>
+              <a:off x="4797000" y="4664520"/>
+              <a:ext cx="1650960" cy="645840"/>
+            </a:xfrm>
+            <a:prstGeom prst="roundRect">
+              <a:avLst>
+                <a:gd name="adj" fmla="val 16667"/>
+              </a:avLst>
+            </a:prstGeom>
+            <a:solidFill>
+              <a:srgbClr val="CCCCFF"/>
+            </a:solidFill>
+            <a:ln w="28440">
+              <a:solidFill>
+                <a:srgbClr val="8397CF"/>
+              </a:solidFill>
+            </a:ln>
+          </p:spPr>
+          <p:style>
+            <a:lnRef idx="2">
+              <a:schemeClr val="accent1">
+                <a:shade val="50000"/>
+              </a:schemeClr>
+            </a:lnRef>
+            <a:fillRef idx="1">
+              <a:schemeClr val="accent1"/>
+            </a:fillRef>
+            <a:effectRef idx="0">
+              <a:schemeClr val="accent1"/>
+            </a:effectRef>
+            <a:fontRef idx="minor"/>
+          </p:style>
+        </p:sp>
+        <p:sp>
+          <p:nvSpPr>
+            <p:cNvPr id="60" name="CustomShape 20"/>
+            <p:cNvSpPr/>
+            <p:nvPr/>
+          </p:nvSpPr>
+          <p:spPr>
+            <a:xfrm>
+              <a:off x="4877280" y="4653720"/>
+              <a:ext cx="1490400" cy="639000"/>
+            </a:xfrm>
+            <a:prstGeom prst="rect">
+              <a:avLst/>
+            </a:prstGeom>
+            <a:noFill/>
+            <a:ln>
+              <a:noFill/>
+            </a:ln>
+          </p:spPr>
+          <p:style>
+            <a:lnRef idx="0">
+              <a:scrgbClr r="0" g="0" b="0"/>
+            </a:lnRef>
+            <a:fillRef idx="0">
+              <a:scrgbClr r="0" g="0" b="0"/>
+            </a:fillRef>
+            <a:effectRef idx="0">
+              <a:scrgbClr r="0" g="0" b="0"/>
+            </a:effectRef>
+            <a:fontRef idx="minor"/>
+          </p:style>
+          <p:txBody>
+            <a:bodyPr lIns="90000" tIns="45000" rIns="90000" bIns="45000"/>
+            <a:lstStyle/>
+            <a:p>
+              <a:pPr algn="ctr">
+                <a:lnSpc>
+                  <a:spcPct val="100000"/>
+                </a:lnSpc>
+              </a:pPr>
+              <a:r>
+                <a:rPr lang="en-US" sz="1800" b="0" strike="noStrike" spc="-1" dirty="0">
+                  <a:solidFill>
+                    <a:srgbClr val="000000"/>
+                  </a:solidFill>
+                  <a:latin typeface="Times New Roman"/>
+                </a:rPr>
+                <a:t>Clean</a:t>
+              </a:r>
+              <a:endParaRPr lang="en-US" sz="1800" b="0" strike="noStrike" spc="-1" dirty="0">
+                <a:latin typeface="Arial"/>
+              </a:endParaRPr>
+            </a:p>
+            <a:p>
+              <a:pPr algn="ctr">
+                <a:lnSpc>
+                  <a:spcPct val="100000"/>
+                </a:lnSpc>
+              </a:pPr>
+              <a:r>
+                <a:rPr lang="en-US" sz="1800" b="0" strike="noStrike" spc="-1" dirty="0">
+                  <a:solidFill>
+                    <a:srgbClr val="000000"/>
+                  </a:solidFill>
+                  <a:latin typeface="Times New Roman"/>
+                </a:rPr>
+                <a:t>Spectrogram</a:t>
+              </a:r>
+              <a:endParaRPr lang="en-US" sz="1800" b="0" strike="noStrike" spc="-1" dirty="0">
+                <a:latin typeface="Arial"/>
+              </a:endParaRPr>
+            </a:p>
+          </p:txBody>
+        </p:sp>
+      </p:grpSp>
+      <p:grpSp>
+        <p:nvGrpSpPr>
+          <p:cNvPr id="61" name="Group 21"/>
+          <p:cNvGrpSpPr/>
+          <p:nvPr/>
+        </p:nvGrpSpPr>
+        <p:grpSpPr>
+          <a:xfrm>
+            <a:off x="6660720" y="4689000"/>
+            <a:ext cx="1291680" cy="639000"/>
+            <a:chOff x="6660720" y="4689000"/>
+            <a:chExt cx="1291680" cy="639000"/>
+          </a:xfrm>
+        </p:grpSpPr>
+        <p:sp>
+          <p:nvSpPr>
+            <p:cNvPr id="62" name="CustomShape 22"/>
+            <p:cNvSpPr/>
+            <p:nvPr/>
+          </p:nvSpPr>
+          <p:spPr>
+            <a:xfrm>
+              <a:off x="6791400" y="4749120"/>
+              <a:ext cx="1027440" cy="542160"/>
+            </a:xfrm>
+            <a:prstGeom prst="roundRect">
+              <a:avLst>
+                <a:gd name="adj" fmla="val 0"/>
+              </a:avLst>
+            </a:prstGeom>
+            <a:noFill/>
+            <a:ln w="38160">
+              <a:solidFill>
+                <a:srgbClr val="002060"/>
+              </a:solidFill>
+            </a:ln>
+          </p:spPr>
+          <p:style>
+            <a:lnRef idx="2">
+              <a:schemeClr val="accent1">
+                <a:shade val="50000"/>
+              </a:schemeClr>
+            </a:lnRef>
+            <a:fillRef idx="1">
+              <a:schemeClr val="accent1"/>
+            </a:fillRef>
+            <a:effectRef idx="0">
+              <a:schemeClr val="accent1"/>
+            </a:effectRef>
+            <a:fontRef idx="minor"/>
+          </p:style>
+        </p:sp>
+        <p:sp>
+          <p:nvSpPr>
+            <p:cNvPr id="63" name="CustomShape 23"/>
+            <p:cNvSpPr/>
+            <p:nvPr/>
+          </p:nvSpPr>
+          <p:spPr>
+            <a:xfrm>
+              <a:off x="6660720" y="4689000"/>
+              <a:ext cx="1291680" cy="639000"/>
+            </a:xfrm>
+            <a:prstGeom prst="rect">
+              <a:avLst/>
+            </a:prstGeom>
+            <a:noFill/>
+            <a:ln>
+              <a:noFill/>
+            </a:ln>
+          </p:spPr>
+          <p:style>
+            <a:lnRef idx="0">
+              <a:scrgbClr r="0" g="0" b="0"/>
+            </a:lnRef>
+            <a:fillRef idx="0">
+              <a:scrgbClr r="0" g="0" b="0"/>
+            </a:fillRef>
+            <a:effectRef idx="0">
+              <a:scrgbClr r="0" g="0" b="0"/>
+            </a:effectRef>
+            <a:fontRef idx="minor"/>
+          </p:style>
+          <p:txBody>
+            <a:bodyPr lIns="90000" tIns="45000" rIns="90000" bIns="45000"/>
+            <a:lstStyle/>
+            <a:p>
+              <a:pPr algn="ctr">
+                <a:lnSpc>
+                  <a:spcPct val="100000"/>
+                </a:lnSpc>
+              </a:pPr>
+              <a:r>
+                <a:rPr lang="en-US" sz="1800" b="0" strike="noStrike" spc="-1">
+                  <a:solidFill>
+                    <a:srgbClr val="000000"/>
+                  </a:solidFill>
+                  <a:latin typeface="Times New Roman"/>
+                </a:rPr>
+                <a:t>Loss Function</a:t>
+              </a:r>
+              <a:endParaRPr lang="en-US" sz="1800" b="0" strike="noStrike" spc="-1">
+                <a:latin typeface="Arial"/>
+              </a:endParaRPr>
+            </a:p>
+          </p:txBody>
+        </p:sp>
+      </p:grpSp>
+      <p:grpSp>
+        <p:nvGrpSpPr>
+          <p:cNvPr id="64" name="Group 24"/>
+          <p:cNvGrpSpPr/>
+          <p:nvPr/>
+        </p:nvGrpSpPr>
+        <p:grpSpPr>
+          <a:xfrm>
+            <a:off x="6840967" y="3479040"/>
+            <a:ext cx="1449360" cy="655200"/>
+            <a:chOff x="6859440" y="3454920"/>
+            <a:chExt cx="1449360" cy="655200"/>
+          </a:xfrm>
+        </p:grpSpPr>
+        <p:sp>
+          <p:nvSpPr>
+            <p:cNvPr id="65" name="CustomShape 25"/>
+            <p:cNvSpPr/>
+            <p:nvPr/>
+          </p:nvSpPr>
+          <p:spPr>
+            <a:xfrm>
+              <a:off x="6859440" y="3464280"/>
+              <a:ext cx="1424880" cy="645840"/>
+            </a:xfrm>
+            <a:prstGeom prst="roundRect">
+              <a:avLst>
+                <a:gd name="adj" fmla="val 16667"/>
+              </a:avLst>
+            </a:prstGeom>
+            <a:solidFill>
+              <a:srgbClr val="CCCCFF"/>
+            </a:solidFill>
+            <a:ln w="28440">
+              <a:solidFill>
+                <a:srgbClr val="7030A0"/>
+              </a:solidFill>
+            </a:ln>
+          </p:spPr>
+          <p:style>
+            <a:lnRef idx="2">
+              <a:schemeClr val="accent1">
+                <a:shade val="50000"/>
+              </a:schemeClr>
+            </a:lnRef>
+            <a:fillRef idx="1">
+              <a:schemeClr val="accent1"/>
+            </a:fillRef>
+            <a:effectRef idx="0">
+              <a:schemeClr val="accent1"/>
+            </a:effectRef>
+            <a:fontRef idx="minor"/>
+          </p:style>
+        </p:sp>
+        <p:sp>
+          <p:nvSpPr>
+            <p:cNvPr id="66" name="CustomShape 26"/>
+            <p:cNvSpPr/>
+            <p:nvPr/>
+          </p:nvSpPr>
+          <p:spPr>
+            <a:xfrm>
+              <a:off x="6859440" y="3454920"/>
+              <a:ext cx="1449360" cy="639000"/>
+            </a:xfrm>
+            <a:prstGeom prst="rect">
+              <a:avLst/>
+            </a:prstGeom>
+            <a:noFill/>
+            <a:ln>
+              <a:noFill/>
+            </a:ln>
+          </p:spPr>
+          <p:style>
+            <a:lnRef idx="0">
+              <a:scrgbClr r="0" g="0" b="0"/>
+            </a:lnRef>
+            <a:fillRef idx="0">
+              <a:scrgbClr r="0" g="0" b="0"/>
+            </a:fillRef>
+            <a:effectRef idx="0">
+              <a:scrgbClr r="0" g="0" b="0"/>
+            </a:effectRef>
+            <a:fontRef idx="minor"/>
+          </p:style>
+          <p:txBody>
+            <a:bodyPr lIns="90000" tIns="45000" rIns="90000" bIns="45000"/>
+            <a:lstStyle/>
+            <a:p>
+              <a:pPr algn="ctr">
+                <a:lnSpc>
+                  <a:spcPct val="100000"/>
+                </a:lnSpc>
+              </a:pPr>
+              <a:r>
+                <a:rPr lang="en-US" spc="-1" dirty="0">
+                  <a:solidFill>
+                    <a:srgbClr val="000000"/>
+                  </a:solidFill>
+                  <a:latin typeface="Times New Roman"/>
+                </a:rPr>
+                <a:t>Purified</a:t>
+              </a:r>
+              <a:endParaRPr lang="en-US" sz="1800" b="0" strike="noStrike" spc="-1" dirty="0">
+                <a:latin typeface="Arial"/>
+              </a:endParaRPr>
+            </a:p>
+            <a:p>
+              <a:pPr algn="ctr">
+                <a:lnSpc>
+                  <a:spcPct val="100000"/>
+                </a:lnSpc>
+              </a:pPr>
+              <a:r>
+                <a:rPr lang="en-US" sz="1800" b="0" strike="noStrike" spc="-1" dirty="0">
+                  <a:solidFill>
+                    <a:srgbClr val="000000"/>
+                  </a:solidFill>
+                  <a:latin typeface="Times New Roman"/>
+                </a:rPr>
+                <a:t>Spectrogram</a:t>
+              </a:r>
+              <a:endParaRPr lang="en-US" sz="1800" b="0" strike="noStrike" spc="-1" dirty="0">
+                <a:latin typeface="Arial"/>
+              </a:endParaRPr>
+            </a:p>
+          </p:txBody>
+        </p:sp>
+      </p:grpSp>
+      <p:grpSp>
+        <p:nvGrpSpPr>
+          <p:cNvPr id="67" name="Group 27"/>
+          <p:cNvGrpSpPr/>
+          <p:nvPr/>
+        </p:nvGrpSpPr>
+        <p:grpSpPr>
+          <a:xfrm>
+            <a:off x="3589560" y="1941840"/>
+            <a:ext cx="1816200" cy="461160"/>
+            <a:chOff x="3589560" y="1941840"/>
+            <a:chExt cx="1816200" cy="461160"/>
+          </a:xfrm>
+        </p:grpSpPr>
+        <p:sp>
+          <p:nvSpPr>
+            <p:cNvPr id="68" name="CustomShape 28"/>
+            <p:cNvSpPr/>
+            <p:nvPr/>
+          </p:nvSpPr>
+          <p:spPr>
+            <a:xfrm>
+              <a:off x="3888360" y="1941840"/>
+              <a:ext cx="1227600" cy="461160"/>
+            </a:xfrm>
+            <a:prstGeom prst="roundRect">
+              <a:avLst>
+                <a:gd name="adj" fmla="val 0"/>
+              </a:avLst>
+            </a:prstGeom>
+            <a:noFill/>
+            <a:ln w="38160">
+              <a:solidFill>
+                <a:srgbClr val="002060"/>
+              </a:solidFill>
+            </a:ln>
+          </p:spPr>
+          <p:style>
+            <a:lnRef idx="2">
+              <a:schemeClr val="accent1">
+                <a:shade val="50000"/>
+              </a:schemeClr>
+            </a:lnRef>
+            <a:fillRef idx="1">
+              <a:schemeClr val="accent1"/>
+            </a:fillRef>
+            <a:effectRef idx="0">
+              <a:schemeClr val="accent1"/>
+            </a:effectRef>
+            <a:fontRef idx="minor"/>
+          </p:style>
+        </p:sp>
+        <p:sp>
+          <p:nvSpPr>
+            <p:cNvPr id="69" name="CustomShape 29"/>
+            <p:cNvSpPr/>
+            <p:nvPr/>
+          </p:nvSpPr>
+          <p:spPr>
+            <a:xfrm>
+              <a:off x="3589560" y="1987920"/>
+              <a:ext cx="1816200" cy="364680"/>
+            </a:xfrm>
+            <a:prstGeom prst="rect">
+              <a:avLst/>
+            </a:prstGeom>
+            <a:noFill/>
+            <a:ln>
+              <a:noFill/>
+            </a:ln>
+          </p:spPr>
+          <p:style>
+            <a:lnRef idx="0">
+              <a:scrgbClr r="0" g="0" b="0"/>
+            </a:lnRef>
+            <a:fillRef idx="0">
+              <a:scrgbClr r="0" g="0" b="0"/>
+            </a:fillRef>
+            <a:effectRef idx="0">
+              <a:scrgbClr r="0" g="0" b="0"/>
+            </a:effectRef>
+            <a:fontRef idx="minor"/>
+          </p:style>
+          <p:txBody>
+            <a:bodyPr lIns="90000" tIns="45000" rIns="90000" bIns="45000"/>
+            <a:lstStyle/>
+            <a:p>
+              <a:pPr algn="ctr">
+                <a:lnSpc>
+                  <a:spcPct val="100000"/>
+                </a:lnSpc>
+              </a:pPr>
+              <a:r>
+                <a:rPr lang="en-US" sz="1800" b="0" strike="noStrike" spc="-1">
+                  <a:solidFill>
+                    <a:srgbClr val="000000"/>
+                  </a:solidFill>
+                  <a:latin typeface="Times New Roman"/>
+                </a:rPr>
+                <a:t>d-vector</a:t>
+              </a:r>
+              <a:endParaRPr lang="en-US" sz="1800" b="0" strike="noStrike" spc="-1">
+                <a:latin typeface="Arial"/>
+              </a:endParaRPr>
+            </a:p>
+          </p:txBody>
+        </p:sp>
+      </p:grpSp>
+      <p:sp>
+        <p:nvSpPr>
+          <p:cNvPr id="70" name="CustomShape 30"/>
+          <p:cNvSpPr/>
+          <p:nvPr/>
+        </p:nvSpPr>
+        <p:spPr>
+          <a:xfrm>
+            <a:off x="5668200" y="1883520"/>
+            <a:ext cx="2531592" cy="1332360"/>
+          </a:xfrm>
+          <a:prstGeom prst="roundRect">
+            <a:avLst>
+              <a:gd name="adj" fmla="val 16667"/>
+            </a:avLst>
+          </a:prstGeom>
+          <a:solidFill>
+            <a:schemeClr val="bg1"/>
+          </a:solidFill>
+          <a:ln w="38160">
+            <a:solidFill>
+              <a:srgbClr val="7030A0"/>
+            </a:solidFill>
+            <a:custDash>
+              <a:ds d="800000" sp="300000"/>
+            </a:custDash>
+          </a:ln>
+        </p:spPr>
+        <p:style>
+          <a:lnRef idx="2">
+            <a:schemeClr val="accent1">
+              <a:shade val="50000"/>
+            </a:schemeClr>
+          </a:lnRef>
+          <a:fillRef idx="1">
+            <a:schemeClr val="accent1"/>
+          </a:fillRef>
+          <a:effectRef idx="0">
+            <a:schemeClr val="accent1"/>
+          </a:effectRef>
+          <a:fontRef idx="minor"/>
+        </p:style>
+      </p:sp>
+      <p:grpSp>
+        <p:nvGrpSpPr>
+          <p:cNvPr id="71" name="Group 31"/>
+          <p:cNvGrpSpPr/>
+          <p:nvPr/>
+        </p:nvGrpSpPr>
+        <p:grpSpPr>
+          <a:xfrm>
+            <a:off x="5931720" y="2622960"/>
+            <a:ext cx="810360" cy="381240"/>
+            <a:chOff x="5931720" y="2622960"/>
+            <a:chExt cx="810360" cy="381240"/>
+          </a:xfrm>
+        </p:grpSpPr>
+        <p:sp>
+          <p:nvSpPr>
+            <p:cNvPr id="72" name="CustomShape 32"/>
+            <p:cNvSpPr/>
+            <p:nvPr/>
+          </p:nvSpPr>
+          <p:spPr>
+            <a:xfrm>
+              <a:off x="5931720" y="2635200"/>
+              <a:ext cx="810360" cy="369000"/>
+            </a:xfrm>
+            <a:prstGeom prst="roundRect">
+              <a:avLst>
+                <a:gd name="adj" fmla="val 0"/>
+              </a:avLst>
+            </a:prstGeom>
+            <a:noFill/>
+            <a:ln w="38160">
+              <a:solidFill>
+                <a:srgbClr val="7030A0"/>
+              </a:solidFill>
+            </a:ln>
+          </p:spPr>
+          <p:style>
+            <a:lnRef idx="2">
+              <a:schemeClr val="accent1">
+                <a:shade val="50000"/>
+              </a:schemeClr>
+            </a:lnRef>
+            <a:fillRef idx="1">
+              <a:schemeClr val="accent1"/>
+            </a:fillRef>
+            <a:effectRef idx="0">
+              <a:schemeClr val="accent1"/>
+            </a:effectRef>
+            <a:fontRef idx="minor"/>
+          </p:style>
+        </p:sp>
+        <p:sp>
+          <p:nvSpPr>
+            <p:cNvPr id="73" name="CustomShape 33"/>
+            <p:cNvSpPr/>
+            <p:nvPr/>
+          </p:nvSpPr>
+          <p:spPr>
+            <a:xfrm>
+              <a:off x="6005160" y="2622960"/>
+              <a:ext cx="662760" cy="364680"/>
+            </a:xfrm>
+            <a:prstGeom prst="rect">
+              <a:avLst/>
+            </a:prstGeom>
+            <a:noFill/>
+            <a:ln>
+              <a:noFill/>
+            </a:ln>
+          </p:spPr>
+          <p:style>
+            <a:lnRef idx="0">
+              <a:scrgbClr r="0" g="0" b="0"/>
+            </a:lnRef>
+            <a:fillRef idx="0">
+              <a:scrgbClr r="0" g="0" b="0"/>
+            </a:fillRef>
+            <a:effectRef idx="0">
+              <a:scrgbClr r="0" g="0" b="0"/>
+            </a:effectRef>
+            <a:fontRef idx="minor"/>
+          </p:style>
+          <p:txBody>
+            <a:bodyPr wrap="none" lIns="90000" tIns="45000" rIns="90000" bIns="45000"/>
+            <a:lstStyle/>
+            <a:p>
+              <a:pPr algn="ctr">
+                <a:lnSpc>
+                  <a:spcPct val="100000"/>
+                </a:lnSpc>
+              </a:pPr>
+              <a:r>
+                <a:rPr lang="en-US" sz="1800" b="0" strike="noStrike" spc="-1">
+                  <a:solidFill>
+                    <a:srgbClr val="000000"/>
+                  </a:solidFill>
+                  <a:latin typeface="Times New Roman"/>
+                </a:rPr>
+                <a:t>CNN</a:t>
+              </a:r>
+              <a:endParaRPr lang="en-US" sz="1800" b="0" strike="noStrike" spc="-1">
+                <a:latin typeface="Arial"/>
+              </a:endParaRPr>
+            </a:p>
+          </p:txBody>
+        </p:sp>
+      </p:grpSp>
+      <p:grpSp>
+        <p:nvGrpSpPr>
+          <p:cNvPr id="74" name="Group 34"/>
+          <p:cNvGrpSpPr/>
+          <p:nvPr/>
+        </p:nvGrpSpPr>
+        <p:grpSpPr>
+          <a:xfrm>
+            <a:off x="5951520" y="2040120"/>
+            <a:ext cx="810360" cy="370800"/>
+            <a:chOff x="5951520" y="2040120"/>
+            <a:chExt cx="810360" cy="370800"/>
+          </a:xfrm>
+        </p:grpSpPr>
+        <p:sp>
+          <p:nvSpPr>
+            <p:cNvPr id="75" name="CustomShape 35"/>
+            <p:cNvSpPr/>
+            <p:nvPr/>
+          </p:nvSpPr>
+          <p:spPr>
+            <a:xfrm>
+              <a:off x="5951520" y="2041920"/>
+              <a:ext cx="810360" cy="369000"/>
+            </a:xfrm>
+            <a:prstGeom prst="roundRect">
+              <a:avLst>
+                <a:gd name="adj" fmla="val 0"/>
+              </a:avLst>
+            </a:prstGeom>
+            <a:noFill/>
+            <a:ln w="38160">
+              <a:solidFill>
+                <a:srgbClr val="7030A0"/>
+              </a:solidFill>
+            </a:ln>
+          </p:spPr>
+          <p:style>
+            <a:lnRef idx="2">
+              <a:schemeClr val="accent1">
+                <a:shade val="50000"/>
+              </a:schemeClr>
+            </a:lnRef>
+            <a:fillRef idx="1">
+              <a:schemeClr val="accent1"/>
+            </a:fillRef>
+            <a:effectRef idx="0">
+              <a:schemeClr val="accent1"/>
+            </a:effectRef>
+            <a:fontRef idx="minor"/>
+          </p:style>
+        </p:sp>
+        <p:sp>
+          <p:nvSpPr>
+            <p:cNvPr id="76" name="CustomShape 36"/>
+            <p:cNvSpPr/>
+            <p:nvPr/>
+          </p:nvSpPr>
+          <p:spPr>
+            <a:xfrm>
+              <a:off x="5961600" y="2040120"/>
+              <a:ext cx="790560" cy="364680"/>
+            </a:xfrm>
+            <a:prstGeom prst="rect">
+              <a:avLst/>
+            </a:prstGeom>
+            <a:noFill/>
+            <a:ln>
+              <a:noFill/>
+            </a:ln>
+          </p:spPr>
+          <p:style>
+            <a:lnRef idx="0">
+              <a:scrgbClr r="0" g="0" b="0"/>
+            </a:lnRef>
+            <a:fillRef idx="0">
+              <a:scrgbClr r="0" g="0" b="0"/>
+            </a:fillRef>
+            <a:effectRef idx="0">
+              <a:scrgbClr r="0" g="0" b="0"/>
+            </a:effectRef>
+            <a:fontRef idx="minor"/>
+          </p:style>
+          <p:txBody>
+            <a:bodyPr wrap="none" lIns="90000" tIns="45000" rIns="90000" bIns="45000"/>
+            <a:lstStyle/>
+            <a:p>
+              <a:pPr algn="ctr">
+                <a:lnSpc>
+                  <a:spcPct val="100000"/>
+                </a:lnSpc>
+              </a:pPr>
+              <a:r>
+                <a:rPr lang="en-US" sz="1800" b="0" strike="noStrike" spc="-1">
+                  <a:solidFill>
+                    <a:srgbClr val="000000"/>
+                  </a:solidFill>
+                  <a:latin typeface="Times New Roman"/>
+                </a:rPr>
+                <a:t>LSTM</a:t>
+              </a:r>
+              <a:endParaRPr lang="en-US" sz="1800" b="0" strike="noStrike" spc="-1">
+                <a:latin typeface="Arial"/>
+              </a:endParaRPr>
+            </a:p>
+          </p:txBody>
+        </p:sp>
+      </p:grpSp>
+      <p:grpSp>
+        <p:nvGrpSpPr>
+          <p:cNvPr id="77" name="Group 37"/>
+          <p:cNvGrpSpPr/>
+          <p:nvPr/>
+        </p:nvGrpSpPr>
+        <p:grpSpPr>
+          <a:xfrm>
+            <a:off x="7151400" y="2059560"/>
+            <a:ext cx="810360" cy="369000"/>
+            <a:chOff x="7151400" y="2059560"/>
+            <a:chExt cx="810360" cy="369000"/>
+          </a:xfrm>
+        </p:grpSpPr>
+        <p:sp>
+          <p:nvSpPr>
+            <p:cNvPr id="78" name="CustomShape 38"/>
+            <p:cNvSpPr/>
+            <p:nvPr/>
+          </p:nvSpPr>
+          <p:spPr>
+            <a:xfrm>
+              <a:off x="7151400" y="2059560"/>
+              <a:ext cx="810360" cy="369000"/>
+            </a:xfrm>
+            <a:prstGeom prst="roundRect">
+              <a:avLst>
+                <a:gd name="adj" fmla="val 0"/>
+              </a:avLst>
+            </a:prstGeom>
+            <a:noFill/>
+            <a:ln w="38160">
+              <a:solidFill>
+                <a:srgbClr val="7030A0"/>
+              </a:solidFill>
+            </a:ln>
+          </p:spPr>
+          <p:style>
+            <a:lnRef idx="2">
+              <a:schemeClr val="accent1">
+                <a:shade val="50000"/>
+              </a:schemeClr>
+            </a:lnRef>
+            <a:fillRef idx="1">
+              <a:schemeClr val="accent1"/>
+            </a:fillRef>
+            <a:effectRef idx="0">
+              <a:schemeClr val="accent1"/>
+            </a:effectRef>
+            <a:fontRef idx="minor"/>
+          </p:style>
+        </p:sp>
+        <p:sp>
+          <p:nvSpPr>
+            <p:cNvPr id="79" name="CustomShape 39"/>
+            <p:cNvSpPr/>
+            <p:nvPr/>
+          </p:nvSpPr>
+          <p:spPr>
+            <a:xfrm>
+              <a:off x="7244280" y="2059560"/>
+              <a:ext cx="624600" cy="364680"/>
+            </a:xfrm>
+            <a:prstGeom prst="rect">
+              <a:avLst/>
+            </a:prstGeom>
+            <a:noFill/>
+            <a:ln>
+              <a:noFill/>
+            </a:ln>
+          </p:spPr>
+          <p:style>
+            <a:lnRef idx="0">
+              <a:scrgbClr r="0" g="0" b="0"/>
+            </a:lnRef>
+            <a:fillRef idx="0">
+              <a:scrgbClr r="0" g="0" b="0"/>
+            </a:fillRef>
+            <a:effectRef idx="0">
+              <a:scrgbClr r="0" g="0" b="0"/>
+            </a:effectRef>
+            <a:fontRef idx="minor"/>
+          </p:style>
+          <p:txBody>
+            <a:bodyPr wrap="none" lIns="90000" tIns="45000" rIns="90000" bIns="45000"/>
+            <a:lstStyle/>
+            <a:p>
+              <a:pPr algn="ctr">
+                <a:lnSpc>
+                  <a:spcPct val="100000"/>
+                </a:lnSpc>
+              </a:pPr>
+              <a:r>
+                <a:rPr lang="en-US" sz="1800" b="0" strike="noStrike" spc="-1">
+                  <a:solidFill>
+                    <a:srgbClr val="000000"/>
+                  </a:solidFill>
+                  <a:latin typeface="Times New Roman"/>
+                </a:rPr>
+                <a:t>FCN</a:t>
+              </a:r>
+              <a:endParaRPr lang="en-US" sz="1800" b="0" strike="noStrike" spc="-1">
+                <a:latin typeface="Arial"/>
+              </a:endParaRPr>
+            </a:p>
+          </p:txBody>
+        </p:sp>
+      </p:grpSp>
+      <p:grpSp>
+        <p:nvGrpSpPr>
+          <p:cNvPr id="83" name="Group 43"/>
+          <p:cNvGrpSpPr/>
+          <p:nvPr/>
+        </p:nvGrpSpPr>
+        <p:grpSpPr>
+          <a:xfrm>
+            <a:off x="8796375" y="2838057"/>
+            <a:ext cx="1265391" cy="639000"/>
+            <a:chOff x="8449560" y="3464280"/>
+            <a:chExt cx="983880" cy="639000"/>
+          </a:xfrm>
+        </p:grpSpPr>
+        <p:sp>
+          <p:nvSpPr>
+            <p:cNvPr id="84" name="CustomShape 44"/>
+            <p:cNvSpPr/>
+            <p:nvPr/>
+          </p:nvSpPr>
+          <p:spPr>
+            <a:xfrm>
+              <a:off x="8449560" y="3510360"/>
+              <a:ext cx="983880" cy="574560"/>
+            </a:xfrm>
+            <a:prstGeom prst="roundRect">
+              <a:avLst>
+                <a:gd name="adj" fmla="val 0"/>
+              </a:avLst>
+            </a:prstGeom>
+            <a:noFill/>
+            <a:ln w="38160">
+              <a:solidFill>
+                <a:srgbClr val="002060"/>
+              </a:solidFill>
+            </a:ln>
+          </p:spPr>
+          <p:style>
+            <a:lnRef idx="2">
+              <a:schemeClr val="accent1">
+                <a:shade val="50000"/>
+              </a:schemeClr>
+            </a:lnRef>
+            <a:fillRef idx="1">
+              <a:schemeClr val="accent1"/>
+            </a:fillRef>
+            <a:effectRef idx="0">
+              <a:schemeClr val="accent1"/>
+            </a:effectRef>
+            <a:fontRef idx="minor"/>
+          </p:style>
+        </p:sp>
+        <p:sp>
+          <p:nvSpPr>
+            <p:cNvPr id="85" name="CustomShape 45"/>
+            <p:cNvSpPr/>
+            <p:nvPr/>
+          </p:nvSpPr>
+          <p:spPr>
+            <a:xfrm>
+              <a:off x="8497443" y="3464280"/>
+              <a:ext cx="893520" cy="639000"/>
+            </a:xfrm>
+            <a:prstGeom prst="rect">
+              <a:avLst/>
+            </a:prstGeom>
+            <a:noFill/>
+            <a:ln>
+              <a:noFill/>
+            </a:ln>
+          </p:spPr>
+          <p:style>
+            <a:lnRef idx="0">
+              <a:scrgbClr r="0" g="0" b="0"/>
+            </a:lnRef>
+            <a:fillRef idx="0">
+              <a:scrgbClr r="0" g="0" b="0"/>
+            </a:fillRef>
+            <a:effectRef idx="0">
+              <a:scrgbClr r="0" g="0" b="0"/>
+            </a:effectRef>
+            <a:fontRef idx="minor"/>
+          </p:style>
+          <p:txBody>
+            <a:bodyPr lIns="90000" tIns="45000" rIns="90000" bIns="45000"/>
+            <a:lstStyle/>
+            <a:p>
+              <a:pPr algn="ctr">
+                <a:lnSpc>
+                  <a:spcPct val="100000"/>
+                </a:lnSpc>
+              </a:pPr>
+              <a:r>
+                <a:rPr lang="en-US" sz="1800" b="0" strike="noStrike" spc="-1" dirty="0">
+                  <a:solidFill>
+                    <a:srgbClr val="000000"/>
+                  </a:solidFill>
+                  <a:latin typeface="Times New Roman"/>
+                </a:rPr>
+                <a:t>Inverse </a:t>
+              </a:r>
+              <a:endParaRPr lang="en-US" sz="1800" b="0" strike="noStrike" spc="-1" dirty="0">
+                <a:latin typeface="Arial"/>
+              </a:endParaRPr>
+            </a:p>
+            <a:p>
+              <a:pPr algn="ctr">
+                <a:lnSpc>
+                  <a:spcPct val="100000"/>
+                </a:lnSpc>
+              </a:pPr>
+              <a:r>
+                <a:rPr lang="en-US" sz="1800" b="0" strike="noStrike" spc="-1" dirty="0">
+                  <a:solidFill>
+                    <a:srgbClr val="000000"/>
+                  </a:solidFill>
+                  <a:latin typeface="Times New Roman"/>
+                </a:rPr>
+                <a:t>STFT</a:t>
+              </a:r>
+              <a:endParaRPr lang="en-US" sz="1800" b="0" strike="noStrike" spc="-1" dirty="0">
+                <a:latin typeface="Arial"/>
+              </a:endParaRPr>
+            </a:p>
+          </p:txBody>
+        </p:sp>
+      </p:grpSp>
+      <p:sp>
+        <p:nvSpPr>
+          <p:cNvPr id="86" name="CustomShape 46"/>
+          <p:cNvSpPr/>
+          <p:nvPr/>
+        </p:nvSpPr>
+        <p:spPr>
+          <a:xfrm>
+            <a:off x="6640560" y="2509200"/>
+            <a:ext cx="1784880" cy="639000"/>
+          </a:xfrm>
+          <a:prstGeom prst="rect">
+            <a:avLst/>
+          </a:prstGeom>
+          <a:noFill/>
+          <a:ln>
+            <a:noFill/>
+          </a:ln>
+        </p:spPr>
+        <p:style>
+          <a:lnRef idx="0">
+            <a:scrgbClr r="0" g="0" b="0"/>
+          </a:lnRef>
+          <a:fillRef idx="0">
+            <a:scrgbClr r="0" g="0" b="0"/>
+          </a:fillRef>
+          <a:effectRef idx="0">
+            <a:scrgbClr r="0" g="0" b="0"/>
+          </a:effectRef>
+          <a:fontRef idx="minor"/>
+        </p:style>
+        <p:txBody>
+          <a:bodyPr lIns="90000" tIns="45000" rIns="90000" bIns="45000"/>
+          <a:lstStyle/>
+          <a:p>
+            <a:pPr algn="ctr">
+              <a:lnSpc>
+                <a:spcPct val="100000"/>
+              </a:lnSpc>
+            </a:pPr>
+            <a:r>
+              <a:rPr lang="en-US" sz="1800" b="0" strike="noStrike" spc="-1">
+                <a:solidFill>
+                  <a:srgbClr val="000000"/>
+                </a:solidFill>
+                <a:latin typeface="Times New Roman"/>
+              </a:rPr>
+              <a:t>Trainable </a:t>
+            </a:r>
+            <a:endParaRPr lang="en-US" sz="1800" b="0" strike="noStrike" spc="-1">
+              <a:latin typeface="Arial"/>
+            </a:endParaRPr>
+          </a:p>
+          <a:p>
+            <a:pPr algn="ctr">
+              <a:lnSpc>
+                <a:spcPct val="100000"/>
+              </a:lnSpc>
+            </a:pPr>
+            <a:r>
+              <a:rPr lang="en-US" sz="1800" b="0" strike="noStrike" spc="-1">
+                <a:solidFill>
+                  <a:srgbClr val="000000"/>
+                </a:solidFill>
+                <a:latin typeface="Times New Roman"/>
+              </a:rPr>
+              <a:t>Voice Muter</a:t>
+            </a:r>
+            <a:endParaRPr lang="en-US" sz="1800" b="0" strike="noStrike" spc="-1">
+              <a:latin typeface="Arial"/>
+            </a:endParaRPr>
+          </a:p>
+        </p:txBody>
+      </p:sp>
+      <p:grpSp>
+        <p:nvGrpSpPr>
+          <p:cNvPr id="87" name="Group 47"/>
+          <p:cNvGrpSpPr/>
+          <p:nvPr/>
+        </p:nvGrpSpPr>
+        <p:grpSpPr>
+          <a:xfrm>
+            <a:off x="8672148" y="3796578"/>
+            <a:ext cx="1495874" cy="639000"/>
+            <a:chOff x="9473400" y="3463920"/>
+            <a:chExt cx="1232640" cy="639000"/>
+          </a:xfrm>
+        </p:grpSpPr>
+        <p:sp>
+          <p:nvSpPr>
+            <p:cNvPr id="88" name="CustomShape 48"/>
+            <p:cNvSpPr/>
+            <p:nvPr/>
+          </p:nvSpPr>
+          <p:spPr>
+            <a:xfrm>
+              <a:off x="9548182" y="3463920"/>
+              <a:ext cx="1055619" cy="373032"/>
+            </a:xfrm>
+            <a:prstGeom prst="roundRect">
+              <a:avLst>
+                <a:gd name="adj" fmla="val 16667"/>
+              </a:avLst>
+            </a:prstGeom>
+            <a:solidFill>
+              <a:srgbClr val="ECE0EE"/>
+            </a:solidFill>
+            <a:ln w="28440">
+              <a:solidFill>
+                <a:srgbClr val="ED4390"/>
+              </a:solidFill>
+            </a:ln>
+          </p:spPr>
+          <p:style>
+            <a:lnRef idx="2">
+              <a:schemeClr val="accent1">
+                <a:shade val="50000"/>
+              </a:schemeClr>
+            </a:lnRef>
+            <a:fillRef idx="1">
+              <a:schemeClr val="accent1"/>
+            </a:fillRef>
+            <a:effectRef idx="0">
+              <a:schemeClr val="accent1"/>
+            </a:effectRef>
+            <a:fontRef idx="minor"/>
+          </p:style>
+        </p:sp>
+        <p:sp>
+          <p:nvSpPr>
+            <p:cNvPr id="89" name="CustomShape 49"/>
+            <p:cNvSpPr/>
+            <p:nvPr/>
+          </p:nvSpPr>
+          <p:spPr>
+            <a:xfrm>
+              <a:off x="9473400" y="3463920"/>
+              <a:ext cx="1232640" cy="639000"/>
+            </a:xfrm>
+            <a:prstGeom prst="rect">
+              <a:avLst/>
+            </a:prstGeom>
+            <a:noFill/>
+            <a:ln>
+              <a:noFill/>
+            </a:ln>
+          </p:spPr>
+          <p:style>
+            <a:lnRef idx="0">
+              <a:scrgbClr r="0" g="0" b="0"/>
+            </a:lnRef>
+            <a:fillRef idx="0">
+              <a:scrgbClr r="0" g="0" b="0"/>
+            </a:fillRef>
+            <a:effectRef idx="0">
+              <a:scrgbClr r="0" g="0" b="0"/>
+            </a:effectRef>
+            <a:fontRef idx="minor"/>
+          </p:style>
+          <p:txBody>
+            <a:bodyPr lIns="90000" tIns="45000" rIns="90000" bIns="45000"/>
+            <a:lstStyle/>
+            <a:p>
+              <a:pPr algn="ctr">
+                <a:lnSpc>
+                  <a:spcPct val="100000"/>
+                </a:lnSpc>
+              </a:pPr>
+              <a:r>
+                <a:rPr lang="en-US" altLang="zh-CN" spc="-1" dirty="0">
+                  <a:solidFill>
+                    <a:srgbClr val="000000"/>
+                  </a:solidFill>
+                  <a:latin typeface="Times New Roman"/>
+                </a:rPr>
+                <a:t>Noise </a:t>
+              </a:r>
+              <a:r>
+                <a:rPr lang="en-US" sz="1800" strike="noStrike" spc="-1" dirty="0">
+                  <a:solidFill>
+                    <a:srgbClr val="000000"/>
+                  </a:solidFill>
+                  <a:latin typeface="Times New Roman"/>
+                </a:rPr>
+                <a:t>Audio</a:t>
+              </a:r>
+              <a:endParaRPr lang="en-US" sz="1800" strike="noStrike" spc="-1" dirty="0">
+                <a:latin typeface="Arial"/>
+              </a:endParaRPr>
+            </a:p>
+          </p:txBody>
+        </p:sp>
+      </p:grpSp>
+      <p:grpSp>
+        <p:nvGrpSpPr>
+          <p:cNvPr id="90" name="Group 50"/>
+          <p:cNvGrpSpPr/>
+          <p:nvPr/>
+        </p:nvGrpSpPr>
+        <p:grpSpPr>
+          <a:xfrm>
+            <a:off x="3330000" y="3602880"/>
+            <a:ext cx="1198800" cy="369000"/>
+            <a:chOff x="3330000" y="3602880"/>
+            <a:chExt cx="1198800" cy="369000"/>
+          </a:xfrm>
+        </p:grpSpPr>
+        <p:sp>
+          <p:nvSpPr>
+            <p:cNvPr id="91" name="CustomShape 51"/>
+            <p:cNvSpPr/>
+            <p:nvPr/>
+          </p:nvSpPr>
+          <p:spPr>
+            <a:xfrm>
+              <a:off x="3527280" y="3602880"/>
+              <a:ext cx="810360" cy="369000"/>
+            </a:xfrm>
+            <a:prstGeom prst="roundRect">
+              <a:avLst>
+                <a:gd name="adj" fmla="val 0"/>
+              </a:avLst>
+            </a:prstGeom>
+            <a:noFill/>
+            <a:ln w="38160">
+              <a:solidFill>
+                <a:srgbClr val="002060"/>
+              </a:solidFill>
+            </a:ln>
+          </p:spPr>
+          <p:style>
+            <a:lnRef idx="2">
+              <a:schemeClr val="accent1">
+                <a:shade val="50000"/>
+              </a:schemeClr>
+            </a:lnRef>
+            <a:fillRef idx="1">
+              <a:schemeClr val="accent1"/>
+            </a:fillRef>
+            <a:effectRef idx="0">
+              <a:schemeClr val="accent1"/>
+            </a:effectRef>
+            <a:fontRef idx="minor"/>
+          </p:style>
+        </p:sp>
+        <p:sp>
+          <p:nvSpPr>
+            <p:cNvPr id="92" name="CustomShape 52"/>
+            <p:cNvSpPr/>
+            <p:nvPr/>
+          </p:nvSpPr>
+          <p:spPr>
+            <a:xfrm>
+              <a:off x="3330000" y="3602880"/>
+              <a:ext cx="1198800" cy="364680"/>
+            </a:xfrm>
+            <a:prstGeom prst="rect">
+              <a:avLst/>
+            </a:prstGeom>
+            <a:noFill/>
+            <a:ln>
+              <a:noFill/>
+            </a:ln>
+          </p:spPr>
+          <p:style>
+            <a:lnRef idx="0">
+              <a:scrgbClr r="0" g="0" b="0"/>
+            </a:lnRef>
+            <a:fillRef idx="0">
+              <a:scrgbClr r="0" g="0" b="0"/>
+            </a:fillRef>
+            <a:effectRef idx="0">
+              <a:scrgbClr r="0" g="0" b="0"/>
+            </a:effectRef>
+            <a:fontRef idx="minor"/>
+          </p:style>
+          <p:txBody>
+            <a:bodyPr lIns="90000" tIns="45000" rIns="90000" bIns="45000"/>
+            <a:lstStyle/>
+            <a:p>
+              <a:pPr algn="ctr">
+                <a:lnSpc>
+                  <a:spcPct val="100000"/>
+                </a:lnSpc>
+              </a:pPr>
+              <a:r>
+                <a:rPr lang="en-US" sz="1800" b="0" strike="noStrike" spc="-1">
+                  <a:solidFill>
+                    <a:srgbClr val="000000"/>
+                  </a:solidFill>
+                  <a:latin typeface="Times New Roman"/>
+                </a:rPr>
+                <a:t>STFT</a:t>
+              </a:r>
+              <a:endParaRPr lang="en-US" sz="1800" b="0" strike="noStrike" spc="-1">
+                <a:latin typeface="Arial"/>
+              </a:endParaRPr>
+            </a:p>
+          </p:txBody>
+        </p:sp>
+      </p:grpSp>
+      <p:grpSp>
+        <p:nvGrpSpPr>
+          <p:cNvPr id="93" name="Group 53"/>
+          <p:cNvGrpSpPr/>
+          <p:nvPr/>
+        </p:nvGrpSpPr>
+        <p:grpSpPr>
+          <a:xfrm>
+            <a:off x="6212006" y="3552247"/>
+            <a:ext cx="337680" cy="455400"/>
+            <a:chOff x="6341400" y="3552247"/>
+            <a:chExt cx="337680" cy="455400"/>
+          </a:xfrm>
+        </p:grpSpPr>
+        <p:sp>
+          <p:nvSpPr>
+            <p:cNvPr id="94" name="CustomShape 54"/>
+            <p:cNvSpPr/>
+            <p:nvPr/>
+          </p:nvSpPr>
+          <p:spPr>
+            <a:xfrm>
+              <a:off x="6341400" y="3640320"/>
+              <a:ext cx="337680" cy="337680"/>
+            </a:xfrm>
+            <a:prstGeom prst="ellipse">
+              <a:avLst/>
+            </a:prstGeom>
+            <a:noFill/>
+            <a:ln w="38160">
+              <a:solidFill>
+                <a:srgbClr val="002060"/>
+              </a:solidFill>
+            </a:ln>
+          </p:spPr>
+          <p:style>
+            <a:lnRef idx="2">
+              <a:schemeClr val="accent1">
+                <a:shade val="50000"/>
+              </a:schemeClr>
+            </a:lnRef>
+            <a:fillRef idx="1">
+              <a:schemeClr val="accent1"/>
+            </a:fillRef>
+            <a:effectRef idx="0">
+              <a:schemeClr val="accent1"/>
+            </a:effectRef>
+            <a:fontRef idx="minor"/>
+          </p:style>
+        </p:sp>
+        <p:sp>
+          <p:nvSpPr>
+            <p:cNvPr id="95" name="CustomShape 55"/>
+            <p:cNvSpPr/>
+            <p:nvPr/>
+          </p:nvSpPr>
+          <p:spPr>
+            <a:xfrm>
+              <a:off x="6345720" y="3552247"/>
+              <a:ext cx="317520" cy="455400"/>
+            </a:xfrm>
+            <a:prstGeom prst="rect">
+              <a:avLst/>
+            </a:prstGeom>
+            <a:noFill/>
+            <a:ln>
+              <a:noFill/>
+            </a:ln>
+          </p:spPr>
+          <p:style>
+            <a:lnRef idx="0">
+              <a:scrgbClr r="0" g="0" b="0"/>
+            </a:lnRef>
+            <a:fillRef idx="0">
+              <a:scrgbClr r="0" g="0" b="0"/>
+            </a:fillRef>
+            <a:effectRef idx="0">
+              <a:scrgbClr r="0" g="0" b="0"/>
+            </a:effectRef>
+            <a:fontRef idx="minor"/>
+          </p:style>
+          <p:txBody>
+            <a:bodyPr lIns="90000" tIns="45000" rIns="90000" bIns="45000"/>
+            <a:lstStyle/>
+            <a:p>
+              <a:pPr algn="ctr">
+                <a:lnSpc>
+                  <a:spcPct val="100000"/>
+                </a:lnSpc>
+              </a:pPr>
+              <a:r>
+                <a:rPr lang="en-US" altLang="zh-CN" sz="2400" b="0" strike="noStrike" spc="-1" dirty="0">
+                  <a:solidFill>
+                    <a:srgbClr val="000000"/>
+                  </a:solidFill>
+                  <a:latin typeface="Times New Roman"/>
+                </a:rPr>
+                <a:t>-</a:t>
+              </a:r>
+              <a:endParaRPr lang="en-US" sz="2400" b="0" strike="noStrike" spc="-1" dirty="0">
+                <a:latin typeface="Arial"/>
+              </a:endParaRPr>
+            </a:p>
+          </p:txBody>
+        </p:sp>
+      </p:grpSp>
+      <p:sp>
+        <p:nvSpPr>
+          <p:cNvPr id="96" name="CustomShape 56"/>
+          <p:cNvSpPr/>
+          <p:nvPr/>
+        </p:nvSpPr>
+        <p:spPr>
+          <a:xfrm rot="10800000" flipV="1">
+            <a:off x="3355560" y="2811780"/>
+            <a:ext cx="299520" cy="122040"/>
+          </a:xfrm>
+          <a:custGeom>
+            <a:avLst/>
+            <a:gdLst/>
+            <a:ahLst/>
+            <a:cxnLst/>
+            <a:rect l="l" t="t" r="r" b="b"/>
+            <a:pathLst>
+              <a:path w="4420" h="2420">
+                <a:moveTo>
+                  <a:pt x="4220" y="1020"/>
+                </a:moveTo>
+                <a:lnTo>
+                  <a:pt x="703" y="1020"/>
+                </a:lnTo>
+                <a:lnTo>
+                  <a:pt x="1361" y="361"/>
+                </a:lnTo>
+                <a:cubicBezTo>
+                  <a:pt x="1440" y="283"/>
+                  <a:pt x="1440" y="157"/>
+                  <a:pt x="1361" y="79"/>
+                </a:cubicBezTo>
+                <a:cubicBezTo>
+                  <a:pt x="1283" y="0"/>
+                  <a:pt x="1157" y="0"/>
+                  <a:pt x="1079" y="79"/>
+                </a:cubicBezTo>
+                <a:lnTo>
+                  <a:pt x="79" y="1079"/>
+                </a:lnTo>
+                <a:cubicBezTo>
+                  <a:pt x="0" y="1157"/>
+                  <a:pt x="0" y="1283"/>
+                  <a:pt x="79" y="1361"/>
+                </a:cubicBezTo>
+                <a:lnTo>
+                  <a:pt x="1079" y="2361"/>
+                </a:lnTo>
+                <a:cubicBezTo>
+                  <a:pt x="1118" y="2400"/>
+                  <a:pt x="1169" y="2420"/>
+                  <a:pt x="1220" y="2420"/>
+                </a:cubicBezTo>
+                <a:cubicBezTo>
+                  <a:pt x="1271" y="2420"/>
+                  <a:pt x="1322" y="2400"/>
+                  <a:pt x="1361" y="2361"/>
+                </a:cubicBezTo>
+                <a:cubicBezTo>
+                  <a:pt x="1440" y="2283"/>
+                  <a:pt x="1440" y="2157"/>
+                  <a:pt x="1361" y="2079"/>
+                </a:cubicBezTo>
+                <a:lnTo>
+                  <a:pt x="703" y="1420"/>
+                </a:lnTo>
+                <a:lnTo>
+                  <a:pt x="4220" y="1420"/>
+                </a:lnTo>
+                <a:cubicBezTo>
+                  <a:pt x="4330" y="1420"/>
+                  <a:pt x="4420" y="1330"/>
+                  <a:pt x="4420" y="1220"/>
+                </a:cubicBezTo>
+                <a:cubicBezTo>
+                  <a:pt x="4420" y="1110"/>
+                  <a:pt x="4330" y="1020"/>
+                  <a:pt x="4220" y="1020"/>
+                </a:cubicBezTo>
+                <a:close/>
+              </a:path>
+            </a:pathLst>
+          </a:custGeom>
+          <a:solidFill>
+            <a:srgbClr val="FF0000"/>
+          </a:solidFill>
+          <a:ln>
+            <a:solidFill>
+              <a:srgbClr val="FF0000"/>
+            </a:solidFill>
+          </a:ln>
+        </p:spPr>
+        <p:style>
+          <a:lnRef idx="0">
+            <a:scrgbClr r="0" g="0" b="0"/>
+          </a:lnRef>
+          <a:fillRef idx="0">
+            <a:scrgbClr r="0" g="0" b="0"/>
+          </a:fillRef>
+          <a:effectRef idx="0">
+            <a:scrgbClr r="0" g="0" b="0"/>
+          </a:effectRef>
+          <a:fontRef idx="minor"/>
+        </p:style>
+      </p:sp>
+      <p:sp>
+        <p:nvSpPr>
+          <p:cNvPr id="97" name="Line 57"/>
+          <p:cNvSpPr/>
+          <p:nvPr/>
+        </p:nvSpPr>
+        <p:spPr>
+          <a:xfrm flipV="1">
+            <a:off x="8601490" y="2515436"/>
+            <a:ext cx="0" cy="840124"/>
+          </a:xfrm>
+          <a:prstGeom prst="line">
+            <a:avLst/>
+          </a:prstGeom>
+          <a:ln w="38160">
+            <a:solidFill>
+              <a:srgbClr val="000000"/>
+            </a:solidFill>
+            <a:custDash>
+              <a:ds d="300000" sp="100000"/>
+            </a:custDash>
+          </a:ln>
+        </p:spPr>
+        <p:style>
+          <a:lnRef idx="1">
+            <a:schemeClr val="accent1"/>
+          </a:lnRef>
+          <a:fillRef idx="0">
+            <a:schemeClr val="accent1"/>
+          </a:fillRef>
+          <a:effectRef idx="0">
+            <a:schemeClr val="accent1"/>
+          </a:effectRef>
+          <a:fontRef idx="minor"/>
+        </p:style>
+        <p:txBody>
+          <a:bodyPr/>
+          <a:lstStyle/>
+          <a:p>
+            <a:endParaRPr lang="zh-CN" altLang="en-US" dirty="0"/>
+          </a:p>
+        </p:txBody>
+      </p:sp>
+      <p:sp>
+        <p:nvSpPr>
+          <p:cNvPr id="98" name="Line 58"/>
+          <p:cNvSpPr/>
+          <p:nvPr/>
+        </p:nvSpPr>
+        <p:spPr>
+          <a:xfrm flipH="1">
+            <a:off x="6375085" y="3355560"/>
+            <a:ext cx="2226404" cy="0"/>
+          </a:xfrm>
+          <a:prstGeom prst="line">
+            <a:avLst/>
+          </a:prstGeom>
+          <a:ln w="38160">
+            <a:solidFill>
+              <a:srgbClr val="000000"/>
+            </a:solidFill>
+            <a:custDash>
+              <a:ds d="300000" sp="100000"/>
+            </a:custDash>
+          </a:ln>
+        </p:spPr>
+        <p:style>
+          <a:lnRef idx="1">
+            <a:schemeClr val="accent1"/>
+          </a:lnRef>
+          <a:fillRef idx="0">
+            <a:schemeClr val="accent1"/>
+          </a:fillRef>
+          <a:effectRef idx="0">
+            <a:schemeClr val="accent1"/>
+          </a:effectRef>
+          <a:fontRef idx="minor"/>
+        </p:style>
+      </p:sp>
+      <p:sp>
+        <p:nvSpPr>
+          <p:cNvPr id="99" name="CustomShape 59"/>
+          <p:cNvSpPr/>
+          <p:nvPr/>
+        </p:nvSpPr>
+        <p:spPr>
+          <a:xfrm rot="5400000">
+            <a:off x="6305966" y="3466800"/>
+            <a:ext cx="138600" cy="118800"/>
+          </a:xfrm>
+          <a:custGeom>
+            <a:avLst/>
+            <a:gdLst/>
+            <a:ahLst/>
+            <a:cxnLst/>
+            <a:rect l="l" t="t" r="r" b="b"/>
+            <a:pathLst>
+              <a:path w="1395" h="1198">
+                <a:moveTo>
+                  <a:pt x="22" y="1141"/>
+                </a:moveTo>
+                <a:cubicBezTo>
+                  <a:pt x="38" y="1177"/>
+                  <a:pt x="73" y="1198"/>
+                  <a:pt x="111" y="1198"/>
+                </a:cubicBezTo>
+                <a:cubicBezTo>
+                  <a:pt x="124" y="1198"/>
+                  <a:pt x="138" y="1195"/>
+                  <a:pt x="151" y="1189"/>
+                </a:cubicBezTo>
+                <a:lnTo>
+                  <a:pt x="1336" y="653"/>
+                </a:lnTo>
+                <a:cubicBezTo>
+                  <a:pt x="1372" y="637"/>
+                  <a:pt x="1395" y="601"/>
+                  <a:pt x="1393" y="562"/>
+                </a:cubicBezTo>
+                <a:cubicBezTo>
+                  <a:pt x="1392" y="522"/>
+                  <a:pt x="1368" y="488"/>
+                  <a:pt x="1331" y="474"/>
+                </a:cubicBezTo>
+                <a:lnTo>
+                  <a:pt x="145" y="19"/>
+                </a:lnTo>
+                <a:cubicBezTo>
+                  <a:pt x="95" y="0"/>
+                  <a:pt x="39" y="25"/>
+                  <a:pt x="20" y="75"/>
+                </a:cubicBezTo>
+                <a:cubicBezTo>
+                  <a:pt x="0" y="125"/>
+                  <a:pt x="25" y="182"/>
+                  <a:pt x="76" y="201"/>
+                </a:cubicBezTo>
+                <a:lnTo>
+                  <a:pt x="1043" y="572"/>
+                </a:lnTo>
+                <a:lnTo>
+                  <a:pt x="70" y="1012"/>
+                </a:lnTo>
+                <a:cubicBezTo>
+                  <a:pt x="21" y="1034"/>
+                  <a:pt x="0" y="1092"/>
+                  <a:pt x="22" y="1141"/>
+                </a:cubicBezTo>
+                <a:close/>
+              </a:path>
+            </a:pathLst>
+          </a:custGeom>
+          <a:solidFill>
+            <a:srgbClr val="000000"/>
+          </a:solidFill>
+          <a:ln>
+            <a:noFill/>
+          </a:ln>
+        </p:spPr>
+        <p:style>
+          <a:lnRef idx="0">
+            <a:scrgbClr r="0" g="0" b="0"/>
+          </a:lnRef>
+          <a:fillRef idx="0">
+            <a:scrgbClr r="0" g="0" b="0"/>
+          </a:fillRef>
+          <a:effectRef idx="0">
+            <a:scrgbClr r="0" g="0" b="0"/>
+          </a:effectRef>
+          <a:fontRef idx="minor"/>
+        </p:style>
+      </p:sp>
+      <p:sp>
+        <p:nvSpPr>
+          <p:cNvPr id="100" name="Line 60"/>
+          <p:cNvSpPr/>
+          <p:nvPr/>
+        </p:nvSpPr>
+        <p:spPr>
+          <a:xfrm flipV="1">
+            <a:off x="6375086" y="3340080"/>
+            <a:ext cx="360" cy="187200"/>
+          </a:xfrm>
+          <a:prstGeom prst="line">
+            <a:avLst/>
+          </a:prstGeom>
+          <a:ln w="38160">
+            <a:solidFill>
+              <a:srgbClr val="000000"/>
+            </a:solidFill>
+            <a:custDash>
+              <a:ds d="300000" sp="100000"/>
+            </a:custDash>
+          </a:ln>
+        </p:spPr>
+        <p:style>
+          <a:lnRef idx="1">
+            <a:schemeClr val="accent1"/>
+          </a:lnRef>
+          <a:fillRef idx="0">
+            <a:schemeClr val="accent1"/>
+          </a:fillRef>
+          <a:effectRef idx="0">
+            <a:schemeClr val="accent1"/>
+          </a:effectRef>
+          <a:fontRef idx="minor"/>
+        </p:style>
+      </p:sp>
+      <p:sp>
+        <p:nvSpPr>
+          <p:cNvPr id="102" name="CustomShape 62"/>
+          <p:cNvSpPr/>
+          <p:nvPr/>
+        </p:nvSpPr>
+        <p:spPr>
+          <a:xfrm rot="10800000" flipV="1">
+            <a:off x="6817184" y="2163780"/>
+            <a:ext cx="299520" cy="122040"/>
+          </a:xfrm>
+          <a:custGeom>
+            <a:avLst/>
+            <a:gdLst/>
+            <a:ahLst/>
+            <a:cxnLst/>
+            <a:rect l="l" t="t" r="r" b="b"/>
+            <a:pathLst>
+              <a:path w="4420" h="2420">
+                <a:moveTo>
+                  <a:pt x="4220" y="1020"/>
+                </a:moveTo>
+                <a:lnTo>
+                  <a:pt x="703" y="1020"/>
+                </a:lnTo>
+                <a:lnTo>
+                  <a:pt x="1361" y="361"/>
+                </a:lnTo>
+                <a:cubicBezTo>
+                  <a:pt x="1440" y="283"/>
+                  <a:pt x="1440" y="157"/>
+                  <a:pt x="1361" y="79"/>
+                </a:cubicBezTo>
+                <a:cubicBezTo>
+                  <a:pt x="1283" y="0"/>
+                  <a:pt x="1157" y="0"/>
+                  <a:pt x="1079" y="79"/>
+                </a:cubicBezTo>
+                <a:lnTo>
+                  <a:pt x="79" y="1079"/>
+                </a:lnTo>
+                <a:cubicBezTo>
+                  <a:pt x="0" y="1157"/>
+                  <a:pt x="0" y="1283"/>
+                  <a:pt x="79" y="1361"/>
+                </a:cubicBezTo>
+                <a:lnTo>
+                  <a:pt x="1079" y="2361"/>
+                </a:lnTo>
+                <a:cubicBezTo>
+                  <a:pt x="1118" y="2400"/>
+                  <a:pt x="1169" y="2420"/>
+                  <a:pt x="1220" y="2420"/>
+                </a:cubicBezTo>
+                <a:cubicBezTo>
+                  <a:pt x="1271" y="2420"/>
+                  <a:pt x="1322" y="2400"/>
+                  <a:pt x="1361" y="2361"/>
+                </a:cubicBezTo>
+                <a:cubicBezTo>
+                  <a:pt x="1440" y="2283"/>
+                  <a:pt x="1440" y="2157"/>
+                  <a:pt x="1361" y="2079"/>
+                </a:cubicBezTo>
+                <a:lnTo>
+                  <a:pt x="703" y="1420"/>
+                </a:lnTo>
+                <a:lnTo>
+                  <a:pt x="4220" y="1420"/>
+                </a:lnTo>
+                <a:cubicBezTo>
+                  <a:pt x="4330" y="1420"/>
+                  <a:pt x="4420" y="1330"/>
+                  <a:pt x="4420" y="1220"/>
+                </a:cubicBezTo>
+                <a:cubicBezTo>
+                  <a:pt x="4420" y="1110"/>
+                  <a:pt x="4330" y="1020"/>
+                  <a:pt x="4220" y="1020"/>
+                </a:cubicBezTo>
+                <a:close/>
+              </a:path>
+            </a:pathLst>
+          </a:custGeom>
+          <a:solidFill>
+            <a:srgbClr val="FF0000"/>
+          </a:solidFill>
+          <a:ln>
+            <a:solidFill>
+              <a:srgbClr val="FF0000"/>
+            </a:solidFill>
+          </a:ln>
+        </p:spPr>
+        <p:style>
+          <a:lnRef idx="0">
+            <a:scrgbClr r="0" g="0" b="0"/>
+          </a:lnRef>
+          <a:fillRef idx="0">
+            <a:scrgbClr r="0" g="0" b="0"/>
+          </a:fillRef>
+          <a:effectRef idx="0">
+            <a:scrgbClr r="0" g="0" b="0"/>
+          </a:effectRef>
+          <a:fontRef idx="minor"/>
+        </p:style>
+      </p:sp>
+      <p:sp>
+        <p:nvSpPr>
+          <p:cNvPr id="103" name="CustomShape 63"/>
+          <p:cNvSpPr/>
+          <p:nvPr/>
+        </p:nvSpPr>
+        <p:spPr>
+          <a:xfrm rot="10800000" flipV="1">
+            <a:off x="8119338" y="2198210"/>
+            <a:ext cx="299520" cy="122040"/>
+          </a:xfrm>
+          <a:custGeom>
+            <a:avLst/>
+            <a:gdLst/>
+            <a:ahLst/>
+            <a:cxnLst/>
+            <a:rect l="l" t="t" r="r" b="b"/>
+            <a:pathLst>
+              <a:path w="4420" h="2420">
+                <a:moveTo>
+                  <a:pt x="4220" y="1020"/>
+                </a:moveTo>
+                <a:lnTo>
+                  <a:pt x="703" y="1020"/>
+                </a:lnTo>
+                <a:lnTo>
+                  <a:pt x="1361" y="361"/>
+                </a:lnTo>
+                <a:cubicBezTo>
+                  <a:pt x="1440" y="283"/>
+                  <a:pt x="1440" y="157"/>
+                  <a:pt x="1361" y="79"/>
+                </a:cubicBezTo>
+                <a:cubicBezTo>
+                  <a:pt x="1283" y="0"/>
+                  <a:pt x="1157" y="0"/>
+                  <a:pt x="1079" y="79"/>
+                </a:cubicBezTo>
+                <a:lnTo>
+                  <a:pt x="79" y="1079"/>
+                </a:lnTo>
+                <a:cubicBezTo>
+                  <a:pt x="0" y="1157"/>
+                  <a:pt x="0" y="1283"/>
+                  <a:pt x="79" y="1361"/>
+                </a:cubicBezTo>
+                <a:lnTo>
+                  <a:pt x="1079" y="2361"/>
+                </a:lnTo>
+                <a:cubicBezTo>
+                  <a:pt x="1118" y="2400"/>
+                  <a:pt x="1169" y="2420"/>
+                  <a:pt x="1220" y="2420"/>
+                </a:cubicBezTo>
+                <a:cubicBezTo>
+                  <a:pt x="1271" y="2420"/>
+                  <a:pt x="1322" y="2400"/>
+                  <a:pt x="1361" y="2361"/>
+                </a:cubicBezTo>
+                <a:cubicBezTo>
+                  <a:pt x="1440" y="2283"/>
+                  <a:pt x="1440" y="2157"/>
+                  <a:pt x="1361" y="2079"/>
+                </a:cubicBezTo>
+                <a:lnTo>
+                  <a:pt x="703" y="1420"/>
+                </a:lnTo>
+                <a:lnTo>
+                  <a:pt x="4220" y="1420"/>
+                </a:lnTo>
+                <a:cubicBezTo>
+                  <a:pt x="4330" y="1420"/>
+                  <a:pt x="4420" y="1330"/>
+                  <a:pt x="4420" y="1220"/>
+                </a:cubicBezTo>
+                <a:cubicBezTo>
+                  <a:pt x="4420" y="1110"/>
+                  <a:pt x="4330" y="1020"/>
+                  <a:pt x="4220" y="1020"/>
+                </a:cubicBezTo>
+                <a:close/>
+              </a:path>
+            </a:pathLst>
+          </a:custGeom>
+          <a:solidFill>
+            <a:srgbClr val="FF0000"/>
+          </a:solidFill>
+          <a:ln>
+            <a:solidFill>
+              <a:srgbClr val="FF0000"/>
+            </a:solidFill>
+          </a:ln>
+        </p:spPr>
+        <p:style>
+          <a:lnRef idx="0">
+            <a:scrgbClr r="0" g="0" b="0"/>
+          </a:lnRef>
+          <a:fillRef idx="0">
+            <a:scrgbClr r="0" g="0" b="0"/>
+          </a:fillRef>
+          <a:effectRef idx="0">
+            <a:scrgbClr r="0" g="0" b="0"/>
+          </a:effectRef>
+          <a:fontRef idx="minor"/>
+        </p:style>
+      </p:sp>
+      <p:sp>
+        <p:nvSpPr>
+          <p:cNvPr id="104" name="CustomShape 64"/>
+          <p:cNvSpPr/>
+          <p:nvPr/>
+        </p:nvSpPr>
+        <p:spPr>
+          <a:xfrm rot="10800000" flipV="1">
+            <a:off x="3317580" y="3721976"/>
+            <a:ext cx="299520" cy="122040"/>
+          </a:xfrm>
+          <a:custGeom>
+            <a:avLst/>
+            <a:gdLst/>
+            <a:ahLst/>
+            <a:cxnLst/>
+            <a:rect l="l" t="t" r="r" b="b"/>
+            <a:pathLst>
+              <a:path w="4420" h="2420">
+                <a:moveTo>
+                  <a:pt x="4220" y="1020"/>
+                </a:moveTo>
+                <a:lnTo>
+                  <a:pt x="703" y="1020"/>
+                </a:lnTo>
+                <a:lnTo>
+                  <a:pt x="1361" y="361"/>
+                </a:lnTo>
+                <a:cubicBezTo>
+                  <a:pt x="1440" y="283"/>
+                  <a:pt x="1440" y="157"/>
+                  <a:pt x="1361" y="79"/>
+                </a:cubicBezTo>
+                <a:cubicBezTo>
+                  <a:pt x="1283" y="0"/>
+                  <a:pt x="1157" y="0"/>
+                  <a:pt x="1079" y="79"/>
+                </a:cubicBezTo>
+                <a:lnTo>
+                  <a:pt x="79" y="1079"/>
+                </a:lnTo>
+                <a:cubicBezTo>
+                  <a:pt x="0" y="1157"/>
+                  <a:pt x="0" y="1283"/>
+                  <a:pt x="79" y="1361"/>
+                </a:cubicBezTo>
+                <a:lnTo>
+                  <a:pt x="1079" y="2361"/>
+                </a:lnTo>
+                <a:cubicBezTo>
+                  <a:pt x="1118" y="2400"/>
+                  <a:pt x="1169" y="2420"/>
+                  <a:pt x="1220" y="2420"/>
+                </a:cubicBezTo>
+                <a:cubicBezTo>
+                  <a:pt x="1271" y="2420"/>
+                  <a:pt x="1322" y="2400"/>
+                  <a:pt x="1361" y="2361"/>
+                </a:cubicBezTo>
+                <a:cubicBezTo>
+                  <a:pt x="1440" y="2283"/>
+                  <a:pt x="1440" y="2157"/>
+                  <a:pt x="1361" y="2079"/>
+                </a:cubicBezTo>
+                <a:lnTo>
+                  <a:pt x="703" y="1420"/>
+                </a:lnTo>
+                <a:lnTo>
+                  <a:pt x="4220" y="1420"/>
+                </a:lnTo>
+                <a:cubicBezTo>
+                  <a:pt x="4330" y="1420"/>
+                  <a:pt x="4420" y="1330"/>
+                  <a:pt x="4420" y="1220"/>
+                </a:cubicBezTo>
+                <a:cubicBezTo>
+                  <a:pt x="4420" y="1110"/>
+                  <a:pt x="4330" y="1020"/>
+                  <a:pt x="4220" y="1020"/>
+                </a:cubicBezTo>
+                <a:close/>
+              </a:path>
+            </a:pathLst>
+          </a:custGeom>
+          <a:solidFill>
+            <a:srgbClr val="FF0000"/>
+          </a:solidFill>
+          <a:ln>
+            <a:solidFill>
+              <a:srgbClr val="FF0000"/>
+            </a:solidFill>
+          </a:ln>
+        </p:spPr>
+        <p:style>
+          <a:lnRef idx="0">
+            <a:scrgbClr r="0" g="0" b="0"/>
+          </a:lnRef>
+          <a:fillRef idx="0">
+            <a:scrgbClr r="0" g="0" b="0"/>
+          </a:fillRef>
+          <a:effectRef idx="0">
+            <a:scrgbClr r="0" g="0" b="0"/>
+          </a:effectRef>
+          <a:fontRef idx="minor"/>
+        </p:style>
+      </p:sp>
+      <p:sp>
+        <p:nvSpPr>
+          <p:cNvPr id="105" name="CustomShape 65"/>
+          <p:cNvSpPr/>
+          <p:nvPr/>
+        </p:nvSpPr>
+        <p:spPr>
+          <a:xfrm rot="10800000" flipV="1">
+            <a:off x="4286012" y="3721976"/>
+            <a:ext cx="299520" cy="122040"/>
+          </a:xfrm>
+          <a:custGeom>
+            <a:avLst/>
+            <a:gdLst/>
+            <a:ahLst/>
+            <a:cxnLst/>
+            <a:rect l="l" t="t" r="r" b="b"/>
+            <a:pathLst>
+              <a:path w="4420" h="2420">
+                <a:moveTo>
+                  <a:pt x="4220" y="1020"/>
+                </a:moveTo>
+                <a:lnTo>
+                  <a:pt x="703" y="1020"/>
+                </a:lnTo>
+                <a:lnTo>
+                  <a:pt x="1361" y="361"/>
+                </a:lnTo>
+                <a:cubicBezTo>
+                  <a:pt x="1440" y="283"/>
+                  <a:pt x="1440" y="157"/>
+                  <a:pt x="1361" y="79"/>
+                </a:cubicBezTo>
+                <a:cubicBezTo>
+                  <a:pt x="1283" y="0"/>
+                  <a:pt x="1157" y="0"/>
+                  <a:pt x="1079" y="79"/>
+                </a:cubicBezTo>
+                <a:lnTo>
+                  <a:pt x="79" y="1079"/>
+                </a:lnTo>
+                <a:cubicBezTo>
+                  <a:pt x="0" y="1157"/>
+                  <a:pt x="0" y="1283"/>
+                  <a:pt x="79" y="1361"/>
+                </a:cubicBezTo>
+                <a:lnTo>
+                  <a:pt x="1079" y="2361"/>
+                </a:lnTo>
+                <a:cubicBezTo>
+                  <a:pt x="1118" y="2400"/>
+                  <a:pt x="1169" y="2420"/>
+                  <a:pt x="1220" y="2420"/>
+                </a:cubicBezTo>
+                <a:cubicBezTo>
+                  <a:pt x="1271" y="2420"/>
+                  <a:pt x="1322" y="2400"/>
+                  <a:pt x="1361" y="2361"/>
+                </a:cubicBezTo>
+                <a:cubicBezTo>
+                  <a:pt x="1440" y="2283"/>
+                  <a:pt x="1440" y="2157"/>
+                  <a:pt x="1361" y="2079"/>
+                </a:cubicBezTo>
+                <a:lnTo>
+                  <a:pt x="703" y="1420"/>
+                </a:lnTo>
+                <a:lnTo>
+                  <a:pt x="4220" y="1420"/>
+                </a:lnTo>
+                <a:cubicBezTo>
+                  <a:pt x="4330" y="1420"/>
+                  <a:pt x="4420" y="1330"/>
+                  <a:pt x="4420" y="1220"/>
+                </a:cubicBezTo>
+                <a:cubicBezTo>
+                  <a:pt x="4420" y="1110"/>
+                  <a:pt x="4330" y="1020"/>
+                  <a:pt x="4220" y="1020"/>
+                </a:cubicBezTo>
+                <a:close/>
+              </a:path>
+            </a:pathLst>
+          </a:custGeom>
+          <a:solidFill>
+            <a:srgbClr val="FF0000"/>
+          </a:solidFill>
+          <a:ln>
+            <a:solidFill>
+              <a:srgbClr val="FF0000"/>
+            </a:solidFill>
+          </a:ln>
+        </p:spPr>
+        <p:style>
+          <a:lnRef idx="0">
+            <a:scrgbClr r="0" g="0" b="0"/>
+          </a:lnRef>
+          <a:fillRef idx="0">
+            <a:scrgbClr r="0" g="0" b="0"/>
+          </a:fillRef>
+          <a:effectRef idx="0">
+            <a:scrgbClr r="0" g="0" b="0"/>
+          </a:effectRef>
+          <a:fontRef idx="minor"/>
+        </p:style>
+      </p:sp>
+      <p:sp>
+        <p:nvSpPr>
+          <p:cNvPr id="106" name="CustomShape 66"/>
+          <p:cNvSpPr/>
+          <p:nvPr/>
+        </p:nvSpPr>
+        <p:spPr>
+          <a:xfrm rot="10800000" flipV="1">
+            <a:off x="5868180" y="3739320"/>
+            <a:ext cx="299520" cy="122040"/>
+          </a:xfrm>
+          <a:custGeom>
+            <a:avLst/>
+            <a:gdLst/>
+            <a:ahLst/>
+            <a:cxnLst/>
+            <a:rect l="l" t="t" r="r" b="b"/>
+            <a:pathLst>
+              <a:path w="4420" h="2420">
+                <a:moveTo>
+                  <a:pt x="4220" y="1020"/>
+                </a:moveTo>
+                <a:lnTo>
+                  <a:pt x="703" y="1020"/>
+                </a:lnTo>
+                <a:lnTo>
+                  <a:pt x="1361" y="361"/>
+                </a:lnTo>
+                <a:cubicBezTo>
+                  <a:pt x="1440" y="283"/>
+                  <a:pt x="1440" y="157"/>
+                  <a:pt x="1361" y="79"/>
+                </a:cubicBezTo>
+                <a:cubicBezTo>
+                  <a:pt x="1283" y="0"/>
+                  <a:pt x="1157" y="0"/>
+                  <a:pt x="1079" y="79"/>
+                </a:cubicBezTo>
+                <a:lnTo>
+                  <a:pt x="79" y="1079"/>
+                </a:lnTo>
+                <a:cubicBezTo>
+                  <a:pt x="0" y="1157"/>
+                  <a:pt x="0" y="1283"/>
+                  <a:pt x="79" y="1361"/>
+                </a:cubicBezTo>
+                <a:lnTo>
+                  <a:pt x="1079" y="2361"/>
+                </a:lnTo>
+                <a:cubicBezTo>
+                  <a:pt x="1118" y="2400"/>
+                  <a:pt x="1169" y="2420"/>
+                  <a:pt x="1220" y="2420"/>
+                </a:cubicBezTo>
+                <a:cubicBezTo>
+                  <a:pt x="1271" y="2420"/>
+                  <a:pt x="1322" y="2400"/>
+                  <a:pt x="1361" y="2361"/>
+                </a:cubicBezTo>
+                <a:cubicBezTo>
+                  <a:pt x="1440" y="2283"/>
+                  <a:pt x="1440" y="2157"/>
+                  <a:pt x="1361" y="2079"/>
+                </a:cubicBezTo>
+                <a:lnTo>
+                  <a:pt x="703" y="1420"/>
+                </a:lnTo>
+                <a:lnTo>
+                  <a:pt x="4220" y="1420"/>
+                </a:lnTo>
+                <a:cubicBezTo>
+                  <a:pt x="4330" y="1420"/>
+                  <a:pt x="4420" y="1330"/>
+                  <a:pt x="4420" y="1220"/>
+                </a:cubicBezTo>
+                <a:cubicBezTo>
+                  <a:pt x="4420" y="1110"/>
+                  <a:pt x="4330" y="1020"/>
+                  <a:pt x="4220" y="1020"/>
+                </a:cubicBezTo>
+                <a:close/>
+              </a:path>
+            </a:pathLst>
+          </a:custGeom>
+          <a:solidFill>
+            <a:srgbClr val="FF0000"/>
+          </a:solidFill>
+          <a:ln>
+            <a:solidFill>
+              <a:srgbClr val="FF0000"/>
+            </a:solidFill>
+          </a:ln>
+        </p:spPr>
+        <p:style>
+          <a:lnRef idx="0">
+            <a:scrgbClr r="0" g="0" b="0"/>
+          </a:lnRef>
+          <a:fillRef idx="0">
+            <a:scrgbClr r="0" g="0" b="0"/>
+          </a:fillRef>
+          <a:effectRef idx="0">
+            <a:scrgbClr r="0" g="0" b="0"/>
+          </a:effectRef>
+          <a:fontRef idx="minor"/>
+        </p:style>
+      </p:sp>
+      <p:sp>
+        <p:nvSpPr>
+          <p:cNvPr id="107" name="CustomShape 67"/>
+          <p:cNvSpPr/>
+          <p:nvPr/>
+        </p:nvSpPr>
+        <p:spPr>
+          <a:xfrm rot="10800000" flipV="1">
+            <a:off x="6526138" y="3721976"/>
+            <a:ext cx="299520" cy="122040"/>
+          </a:xfrm>
+          <a:custGeom>
+            <a:avLst/>
+            <a:gdLst/>
+            <a:ahLst/>
+            <a:cxnLst/>
+            <a:rect l="l" t="t" r="r" b="b"/>
+            <a:pathLst>
+              <a:path w="4420" h="2420">
+                <a:moveTo>
+                  <a:pt x="4220" y="1020"/>
+                </a:moveTo>
+                <a:lnTo>
+                  <a:pt x="703" y="1020"/>
+                </a:lnTo>
+                <a:lnTo>
+                  <a:pt x="1361" y="361"/>
+                </a:lnTo>
+                <a:cubicBezTo>
+                  <a:pt x="1440" y="283"/>
+                  <a:pt x="1440" y="157"/>
+                  <a:pt x="1361" y="79"/>
+                </a:cubicBezTo>
+                <a:cubicBezTo>
+                  <a:pt x="1283" y="0"/>
+                  <a:pt x="1157" y="0"/>
+                  <a:pt x="1079" y="79"/>
+                </a:cubicBezTo>
+                <a:lnTo>
+                  <a:pt x="79" y="1079"/>
+                </a:lnTo>
+                <a:cubicBezTo>
+                  <a:pt x="0" y="1157"/>
+                  <a:pt x="0" y="1283"/>
+                  <a:pt x="79" y="1361"/>
+                </a:cubicBezTo>
+                <a:lnTo>
+                  <a:pt x="1079" y="2361"/>
+                </a:lnTo>
+                <a:cubicBezTo>
+                  <a:pt x="1118" y="2400"/>
+                  <a:pt x="1169" y="2420"/>
+                  <a:pt x="1220" y="2420"/>
+                </a:cubicBezTo>
+                <a:cubicBezTo>
+                  <a:pt x="1271" y="2420"/>
+                  <a:pt x="1322" y="2400"/>
+                  <a:pt x="1361" y="2361"/>
+                </a:cubicBezTo>
+                <a:cubicBezTo>
+                  <a:pt x="1440" y="2283"/>
+                  <a:pt x="1440" y="2157"/>
+                  <a:pt x="1361" y="2079"/>
+                </a:cubicBezTo>
+                <a:lnTo>
+                  <a:pt x="703" y="1420"/>
+                </a:lnTo>
+                <a:lnTo>
+                  <a:pt x="4220" y="1420"/>
+                </a:lnTo>
+                <a:cubicBezTo>
+                  <a:pt x="4330" y="1420"/>
+                  <a:pt x="4420" y="1330"/>
+                  <a:pt x="4420" y="1220"/>
+                </a:cubicBezTo>
+                <a:cubicBezTo>
+                  <a:pt x="4420" y="1110"/>
+                  <a:pt x="4330" y="1020"/>
+                  <a:pt x="4220" y="1020"/>
+                </a:cubicBezTo>
+                <a:close/>
+              </a:path>
+            </a:pathLst>
+          </a:custGeom>
+          <a:solidFill>
+            <a:srgbClr val="FF0000"/>
+          </a:solidFill>
+          <a:ln>
+            <a:solidFill>
+              <a:srgbClr val="FF0000"/>
+            </a:solidFill>
+          </a:ln>
+        </p:spPr>
+        <p:style>
+          <a:lnRef idx="0">
+            <a:scrgbClr r="0" g="0" b="0"/>
+          </a:lnRef>
+          <a:fillRef idx="0">
+            <a:scrgbClr r="0" g="0" b="0"/>
+          </a:fillRef>
+          <a:effectRef idx="0">
+            <a:scrgbClr r="0" g="0" b="0"/>
+          </a:effectRef>
+          <a:fontRef idx="minor"/>
+        </p:style>
+      </p:sp>
+      <p:sp>
+        <p:nvSpPr>
+          <p:cNvPr id="108" name="CustomShape 68"/>
+          <p:cNvSpPr/>
+          <p:nvPr/>
+        </p:nvSpPr>
+        <p:spPr>
+          <a:xfrm rot="16200000" flipV="1">
+            <a:off x="9228320" y="2622385"/>
+            <a:ext cx="355932" cy="145025"/>
+          </a:xfrm>
+          <a:custGeom>
+            <a:avLst/>
+            <a:gdLst/>
+            <a:ahLst/>
+            <a:cxnLst/>
+            <a:rect l="l" t="t" r="r" b="b"/>
+            <a:pathLst>
+              <a:path w="4420" h="2420">
+                <a:moveTo>
+                  <a:pt x="4220" y="1020"/>
+                </a:moveTo>
+                <a:lnTo>
+                  <a:pt x="703" y="1020"/>
+                </a:lnTo>
+                <a:lnTo>
+                  <a:pt x="1361" y="361"/>
+                </a:lnTo>
+                <a:cubicBezTo>
+                  <a:pt x="1440" y="283"/>
+                  <a:pt x="1440" y="157"/>
+                  <a:pt x="1361" y="79"/>
+                </a:cubicBezTo>
+                <a:cubicBezTo>
+                  <a:pt x="1283" y="0"/>
+                  <a:pt x="1157" y="0"/>
+                  <a:pt x="1079" y="79"/>
+                </a:cubicBezTo>
+                <a:lnTo>
+                  <a:pt x="79" y="1079"/>
+                </a:lnTo>
+                <a:cubicBezTo>
+                  <a:pt x="0" y="1157"/>
+                  <a:pt x="0" y="1283"/>
+                  <a:pt x="79" y="1361"/>
+                </a:cubicBezTo>
+                <a:lnTo>
+                  <a:pt x="1079" y="2361"/>
+                </a:lnTo>
+                <a:cubicBezTo>
+                  <a:pt x="1118" y="2400"/>
+                  <a:pt x="1169" y="2420"/>
+                  <a:pt x="1220" y="2420"/>
+                </a:cubicBezTo>
+                <a:cubicBezTo>
+                  <a:pt x="1271" y="2420"/>
+                  <a:pt x="1322" y="2400"/>
+                  <a:pt x="1361" y="2361"/>
+                </a:cubicBezTo>
+                <a:cubicBezTo>
+                  <a:pt x="1440" y="2283"/>
+                  <a:pt x="1440" y="2157"/>
+                  <a:pt x="1361" y="2079"/>
+                </a:cubicBezTo>
+                <a:lnTo>
+                  <a:pt x="703" y="1420"/>
+                </a:lnTo>
+                <a:lnTo>
+                  <a:pt x="4220" y="1420"/>
+                </a:lnTo>
+                <a:cubicBezTo>
+                  <a:pt x="4330" y="1420"/>
+                  <a:pt x="4420" y="1330"/>
+                  <a:pt x="4420" y="1220"/>
+                </a:cubicBezTo>
+                <a:cubicBezTo>
+                  <a:pt x="4420" y="1110"/>
+                  <a:pt x="4330" y="1020"/>
+                  <a:pt x="4220" y="1020"/>
+                </a:cubicBezTo>
+                <a:close/>
+              </a:path>
+            </a:pathLst>
+          </a:custGeom>
+          <a:solidFill>
+            <a:srgbClr val="FF0000"/>
+          </a:solidFill>
+          <a:ln>
+            <a:solidFill>
+              <a:srgbClr val="FF0000"/>
+            </a:solidFill>
+          </a:ln>
+        </p:spPr>
+        <p:style>
+          <a:lnRef idx="0">
+            <a:scrgbClr r="0" g="0" b="0"/>
+          </a:lnRef>
+          <a:fillRef idx="0">
+            <a:scrgbClr r="0" g="0" b="0"/>
+          </a:fillRef>
+          <a:effectRef idx="0">
+            <a:scrgbClr r="0" g="0" b="0"/>
+          </a:effectRef>
+          <a:fontRef idx="minor"/>
+        </p:style>
+      </p:sp>
+      <p:sp>
+        <p:nvSpPr>
+          <p:cNvPr id="109" name="CustomShape 69"/>
+          <p:cNvSpPr/>
+          <p:nvPr/>
+        </p:nvSpPr>
+        <p:spPr>
+          <a:xfrm rot="16200000" flipV="1">
+            <a:off x="9256526" y="3585798"/>
+            <a:ext cx="299520" cy="122040"/>
+          </a:xfrm>
+          <a:custGeom>
+            <a:avLst/>
+            <a:gdLst/>
+            <a:ahLst/>
+            <a:cxnLst/>
+            <a:rect l="l" t="t" r="r" b="b"/>
+            <a:pathLst>
+              <a:path w="4420" h="2420">
+                <a:moveTo>
+                  <a:pt x="4220" y="1020"/>
+                </a:moveTo>
+                <a:lnTo>
+                  <a:pt x="703" y="1020"/>
+                </a:lnTo>
+                <a:lnTo>
+                  <a:pt x="1361" y="361"/>
+                </a:lnTo>
+                <a:cubicBezTo>
+                  <a:pt x="1440" y="283"/>
+                  <a:pt x="1440" y="157"/>
+                  <a:pt x="1361" y="79"/>
+                </a:cubicBezTo>
+                <a:cubicBezTo>
+                  <a:pt x="1283" y="0"/>
+                  <a:pt x="1157" y="0"/>
+                  <a:pt x="1079" y="79"/>
+                </a:cubicBezTo>
+                <a:lnTo>
+                  <a:pt x="79" y="1079"/>
+                </a:lnTo>
+                <a:cubicBezTo>
+                  <a:pt x="0" y="1157"/>
+                  <a:pt x="0" y="1283"/>
+                  <a:pt x="79" y="1361"/>
+                </a:cubicBezTo>
+                <a:lnTo>
+                  <a:pt x="1079" y="2361"/>
+                </a:lnTo>
+                <a:cubicBezTo>
+                  <a:pt x="1118" y="2400"/>
+                  <a:pt x="1169" y="2420"/>
+                  <a:pt x="1220" y="2420"/>
+                </a:cubicBezTo>
+                <a:cubicBezTo>
+                  <a:pt x="1271" y="2420"/>
+                  <a:pt x="1322" y="2400"/>
+                  <a:pt x="1361" y="2361"/>
+                </a:cubicBezTo>
+                <a:cubicBezTo>
+                  <a:pt x="1440" y="2283"/>
+                  <a:pt x="1440" y="2157"/>
+                  <a:pt x="1361" y="2079"/>
+                </a:cubicBezTo>
+                <a:lnTo>
+                  <a:pt x="703" y="1420"/>
+                </a:lnTo>
+                <a:lnTo>
+                  <a:pt x="4220" y="1420"/>
+                </a:lnTo>
+                <a:cubicBezTo>
+                  <a:pt x="4330" y="1420"/>
+                  <a:pt x="4420" y="1330"/>
+                  <a:pt x="4420" y="1220"/>
+                </a:cubicBezTo>
+                <a:cubicBezTo>
+                  <a:pt x="4420" y="1110"/>
+                  <a:pt x="4330" y="1020"/>
+                  <a:pt x="4220" y="1020"/>
+                </a:cubicBezTo>
+                <a:close/>
+              </a:path>
+            </a:pathLst>
+          </a:custGeom>
+          <a:solidFill>
+            <a:srgbClr val="FF0000"/>
+          </a:solidFill>
+          <a:ln>
+            <a:solidFill>
+              <a:srgbClr val="FF0000"/>
+            </a:solidFill>
+          </a:ln>
+        </p:spPr>
+        <p:style>
+          <a:lnRef idx="0">
+            <a:scrgbClr r="0" g="0" b="0"/>
+          </a:lnRef>
+          <a:fillRef idx="0">
+            <a:scrgbClr r="0" g="0" b="0"/>
+          </a:fillRef>
+          <a:effectRef idx="0">
+            <a:scrgbClr r="0" g="0" b="0"/>
+          </a:effectRef>
+          <a:fontRef idx="minor"/>
+        </p:style>
+      </p:sp>
+      <p:sp>
+        <p:nvSpPr>
+          <p:cNvPr id="110" name="CustomShape 70"/>
+          <p:cNvSpPr/>
+          <p:nvPr/>
+        </p:nvSpPr>
+        <p:spPr>
+          <a:xfrm rot="5400000" flipV="1">
+            <a:off x="4308120" y="2374560"/>
+            <a:ext cx="299520" cy="122040"/>
+          </a:xfrm>
+          <a:custGeom>
+            <a:avLst/>
+            <a:gdLst/>
+            <a:ahLst/>
+            <a:cxnLst/>
+            <a:rect l="l" t="t" r="r" b="b"/>
+            <a:pathLst>
+              <a:path w="4420" h="2420">
+                <a:moveTo>
+                  <a:pt x="4220" y="1020"/>
+                </a:moveTo>
+                <a:lnTo>
+                  <a:pt x="703" y="1020"/>
+                </a:lnTo>
+                <a:lnTo>
+                  <a:pt x="1361" y="361"/>
+                </a:lnTo>
+                <a:cubicBezTo>
+                  <a:pt x="1440" y="283"/>
+                  <a:pt x="1440" y="157"/>
+                  <a:pt x="1361" y="79"/>
+                </a:cubicBezTo>
+                <a:cubicBezTo>
+                  <a:pt x="1283" y="0"/>
+                  <a:pt x="1157" y="0"/>
+                  <a:pt x="1079" y="79"/>
+                </a:cubicBezTo>
+                <a:lnTo>
+                  <a:pt x="79" y="1079"/>
+                </a:lnTo>
+                <a:cubicBezTo>
+                  <a:pt x="0" y="1157"/>
+                  <a:pt x="0" y="1283"/>
+                  <a:pt x="79" y="1361"/>
+                </a:cubicBezTo>
+                <a:lnTo>
+                  <a:pt x="1079" y="2361"/>
+                </a:lnTo>
+                <a:cubicBezTo>
+                  <a:pt x="1118" y="2400"/>
+                  <a:pt x="1169" y="2420"/>
+                  <a:pt x="1220" y="2420"/>
+                </a:cubicBezTo>
+                <a:cubicBezTo>
+                  <a:pt x="1271" y="2420"/>
+                  <a:pt x="1322" y="2400"/>
+                  <a:pt x="1361" y="2361"/>
+                </a:cubicBezTo>
+                <a:cubicBezTo>
+                  <a:pt x="1440" y="2283"/>
+                  <a:pt x="1440" y="2157"/>
+                  <a:pt x="1361" y="2079"/>
+                </a:cubicBezTo>
+                <a:lnTo>
+                  <a:pt x="703" y="1420"/>
+                </a:lnTo>
+                <a:lnTo>
+                  <a:pt x="4220" y="1420"/>
+                </a:lnTo>
+                <a:cubicBezTo>
+                  <a:pt x="4330" y="1420"/>
+                  <a:pt x="4420" y="1330"/>
+                  <a:pt x="4420" y="1220"/>
+                </a:cubicBezTo>
+                <a:cubicBezTo>
+                  <a:pt x="4420" y="1110"/>
+                  <a:pt x="4330" y="1020"/>
+                  <a:pt x="4220" y="1020"/>
+                </a:cubicBezTo>
+                <a:close/>
+              </a:path>
+            </a:pathLst>
+          </a:custGeom>
+          <a:solidFill>
+            <a:srgbClr val="FF0000"/>
+          </a:solidFill>
+          <a:ln>
+            <a:solidFill>
+              <a:srgbClr val="FF0000"/>
+            </a:solidFill>
+          </a:ln>
+        </p:spPr>
+        <p:style>
+          <a:lnRef idx="0">
+            <a:scrgbClr r="0" g="0" b="0"/>
+          </a:lnRef>
+          <a:fillRef idx="0">
+            <a:scrgbClr r="0" g="0" b="0"/>
+          </a:fillRef>
+          <a:effectRef idx="0">
+            <a:scrgbClr r="0" g="0" b="0"/>
+          </a:effectRef>
+          <a:fontRef idx="minor"/>
+        </p:style>
+      </p:sp>
+      <p:sp>
+        <p:nvSpPr>
+          <p:cNvPr id="111" name="CustomShape 71"/>
+          <p:cNvSpPr/>
+          <p:nvPr/>
+        </p:nvSpPr>
+        <p:spPr>
+          <a:xfrm rot="5400000" flipV="1">
+            <a:off x="6184080" y="2390760"/>
+            <a:ext cx="299520" cy="122040"/>
+          </a:xfrm>
+          <a:custGeom>
+            <a:avLst/>
+            <a:gdLst/>
+            <a:ahLst/>
+            <a:cxnLst/>
+            <a:rect l="l" t="t" r="r" b="b"/>
+            <a:pathLst>
+              <a:path w="4420" h="2420">
+                <a:moveTo>
+                  <a:pt x="4220" y="1020"/>
+                </a:moveTo>
+                <a:lnTo>
+                  <a:pt x="703" y="1020"/>
+                </a:lnTo>
+                <a:lnTo>
+                  <a:pt x="1361" y="361"/>
+                </a:lnTo>
+                <a:cubicBezTo>
+                  <a:pt x="1440" y="283"/>
+                  <a:pt x="1440" y="157"/>
+                  <a:pt x="1361" y="79"/>
+                </a:cubicBezTo>
+                <a:cubicBezTo>
+                  <a:pt x="1283" y="0"/>
+                  <a:pt x="1157" y="0"/>
+                  <a:pt x="1079" y="79"/>
+                </a:cubicBezTo>
+                <a:lnTo>
+                  <a:pt x="79" y="1079"/>
+                </a:lnTo>
+                <a:cubicBezTo>
+                  <a:pt x="0" y="1157"/>
+                  <a:pt x="0" y="1283"/>
+                  <a:pt x="79" y="1361"/>
+                </a:cubicBezTo>
+                <a:lnTo>
+                  <a:pt x="1079" y="2361"/>
+                </a:lnTo>
+                <a:cubicBezTo>
+                  <a:pt x="1118" y="2400"/>
+                  <a:pt x="1169" y="2420"/>
+                  <a:pt x="1220" y="2420"/>
+                </a:cubicBezTo>
+                <a:cubicBezTo>
+                  <a:pt x="1271" y="2420"/>
+                  <a:pt x="1322" y="2400"/>
+                  <a:pt x="1361" y="2361"/>
+                </a:cubicBezTo>
+                <a:cubicBezTo>
+                  <a:pt x="1440" y="2283"/>
+                  <a:pt x="1440" y="2157"/>
+                  <a:pt x="1361" y="2079"/>
+                </a:cubicBezTo>
+                <a:lnTo>
+                  <a:pt x="703" y="1420"/>
+                </a:lnTo>
+                <a:lnTo>
+                  <a:pt x="4220" y="1420"/>
+                </a:lnTo>
+                <a:cubicBezTo>
+                  <a:pt x="4330" y="1420"/>
+                  <a:pt x="4420" y="1330"/>
+                  <a:pt x="4420" y="1220"/>
+                </a:cubicBezTo>
+                <a:cubicBezTo>
+                  <a:pt x="4420" y="1110"/>
+                  <a:pt x="4330" y="1020"/>
+                  <a:pt x="4220" y="1020"/>
+                </a:cubicBezTo>
+                <a:close/>
+              </a:path>
+            </a:pathLst>
+          </a:custGeom>
+          <a:solidFill>
+            <a:srgbClr val="FF0000"/>
+          </a:solidFill>
+          <a:ln>
+            <a:solidFill>
+              <a:srgbClr val="FF0000"/>
+            </a:solidFill>
+          </a:ln>
+        </p:spPr>
+        <p:style>
+          <a:lnRef idx="0">
+            <a:scrgbClr r="0" g="0" b="0"/>
+          </a:lnRef>
+          <a:fillRef idx="0">
+            <a:scrgbClr r="0" g="0" b="0"/>
+          </a:fillRef>
+          <a:effectRef idx="0">
+            <a:scrgbClr r="0" g="0" b="0"/>
+          </a:effectRef>
+          <a:fontRef idx="minor"/>
+        </p:style>
+      </p:sp>
+      <p:sp>
+        <p:nvSpPr>
+          <p:cNvPr id="112" name="CustomShape 72"/>
+          <p:cNvSpPr/>
+          <p:nvPr/>
+        </p:nvSpPr>
+        <p:spPr>
+          <a:xfrm rot="10800000" flipV="1">
+            <a:off x="3403800" y="4953960"/>
+            <a:ext cx="299520" cy="122040"/>
+          </a:xfrm>
+          <a:custGeom>
+            <a:avLst/>
+            <a:gdLst/>
+            <a:ahLst/>
+            <a:cxnLst/>
+            <a:rect l="l" t="t" r="r" b="b"/>
+            <a:pathLst>
+              <a:path w="4420" h="2420">
+                <a:moveTo>
+                  <a:pt x="4220" y="1020"/>
+                </a:moveTo>
+                <a:lnTo>
+                  <a:pt x="703" y="1020"/>
+                </a:lnTo>
+                <a:lnTo>
+                  <a:pt x="1361" y="361"/>
+                </a:lnTo>
+                <a:cubicBezTo>
+                  <a:pt x="1440" y="283"/>
+                  <a:pt x="1440" y="157"/>
+                  <a:pt x="1361" y="79"/>
+                </a:cubicBezTo>
+                <a:cubicBezTo>
+                  <a:pt x="1283" y="0"/>
+                  <a:pt x="1157" y="0"/>
+                  <a:pt x="1079" y="79"/>
+                </a:cubicBezTo>
+                <a:lnTo>
+                  <a:pt x="79" y="1079"/>
+                </a:lnTo>
+                <a:cubicBezTo>
+                  <a:pt x="0" y="1157"/>
+                  <a:pt x="0" y="1283"/>
+                  <a:pt x="79" y="1361"/>
+                </a:cubicBezTo>
+                <a:lnTo>
+                  <a:pt x="1079" y="2361"/>
+                </a:lnTo>
+                <a:cubicBezTo>
+                  <a:pt x="1118" y="2400"/>
+                  <a:pt x="1169" y="2420"/>
+                  <a:pt x="1220" y="2420"/>
+                </a:cubicBezTo>
+                <a:cubicBezTo>
+                  <a:pt x="1271" y="2420"/>
+                  <a:pt x="1322" y="2400"/>
+                  <a:pt x="1361" y="2361"/>
+                </a:cubicBezTo>
+                <a:cubicBezTo>
+                  <a:pt x="1440" y="2283"/>
+                  <a:pt x="1440" y="2157"/>
+                  <a:pt x="1361" y="2079"/>
+                </a:cubicBezTo>
+                <a:lnTo>
+                  <a:pt x="703" y="1420"/>
+                </a:lnTo>
+                <a:lnTo>
+                  <a:pt x="4220" y="1420"/>
+                </a:lnTo>
+                <a:cubicBezTo>
+                  <a:pt x="4330" y="1420"/>
+                  <a:pt x="4420" y="1330"/>
+                  <a:pt x="4420" y="1220"/>
+                </a:cubicBezTo>
+                <a:cubicBezTo>
+                  <a:pt x="4420" y="1110"/>
+                  <a:pt x="4330" y="1020"/>
+                  <a:pt x="4220" y="1020"/>
+                </a:cubicBezTo>
+                <a:close/>
+              </a:path>
+            </a:pathLst>
+          </a:custGeom>
+          <a:solidFill>
+            <a:srgbClr val="FF0000"/>
+          </a:solidFill>
+          <a:ln>
+            <a:solidFill>
+              <a:srgbClr val="FF0000"/>
+            </a:solidFill>
+          </a:ln>
+        </p:spPr>
+        <p:style>
+          <a:lnRef idx="0">
+            <a:scrgbClr r="0" g="0" b="0"/>
+          </a:lnRef>
+          <a:fillRef idx="0">
+            <a:scrgbClr r="0" g="0" b="0"/>
+          </a:fillRef>
+          <a:effectRef idx="0">
+            <a:scrgbClr r="0" g="0" b="0"/>
+          </a:effectRef>
+          <a:fontRef idx="minor"/>
+        </p:style>
+      </p:sp>
+      <p:sp>
+        <p:nvSpPr>
+          <p:cNvPr id="113" name="CustomShape 73"/>
+          <p:cNvSpPr/>
+          <p:nvPr/>
+        </p:nvSpPr>
+        <p:spPr>
+          <a:xfrm rot="10800000" flipV="1">
+            <a:off x="4501440" y="4982580"/>
+            <a:ext cx="299520" cy="122040"/>
+          </a:xfrm>
+          <a:custGeom>
+            <a:avLst/>
+            <a:gdLst/>
+            <a:ahLst/>
+            <a:cxnLst/>
+            <a:rect l="l" t="t" r="r" b="b"/>
+            <a:pathLst>
+              <a:path w="4420" h="2420">
+                <a:moveTo>
+                  <a:pt x="4220" y="1020"/>
+                </a:moveTo>
+                <a:lnTo>
+                  <a:pt x="703" y="1020"/>
+                </a:lnTo>
+                <a:lnTo>
+                  <a:pt x="1361" y="361"/>
+                </a:lnTo>
+                <a:cubicBezTo>
+                  <a:pt x="1440" y="283"/>
+                  <a:pt x="1440" y="157"/>
+                  <a:pt x="1361" y="79"/>
+                </a:cubicBezTo>
+                <a:cubicBezTo>
+                  <a:pt x="1283" y="0"/>
+                  <a:pt x="1157" y="0"/>
+                  <a:pt x="1079" y="79"/>
+                </a:cubicBezTo>
+                <a:lnTo>
+                  <a:pt x="79" y="1079"/>
+                </a:lnTo>
+                <a:cubicBezTo>
+                  <a:pt x="0" y="1157"/>
+                  <a:pt x="0" y="1283"/>
+                  <a:pt x="79" y="1361"/>
+                </a:cubicBezTo>
+                <a:lnTo>
+                  <a:pt x="1079" y="2361"/>
+                </a:lnTo>
+                <a:cubicBezTo>
+                  <a:pt x="1118" y="2400"/>
+                  <a:pt x="1169" y="2420"/>
+                  <a:pt x="1220" y="2420"/>
+                </a:cubicBezTo>
+                <a:cubicBezTo>
+                  <a:pt x="1271" y="2420"/>
+                  <a:pt x="1322" y="2400"/>
+                  <a:pt x="1361" y="2361"/>
+                </a:cubicBezTo>
+                <a:cubicBezTo>
+                  <a:pt x="1440" y="2283"/>
+                  <a:pt x="1440" y="2157"/>
+                  <a:pt x="1361" y="2079"/>
+                </a:cubicBezTo>
+                <a:lnTo>
+                  <a:pt x="703" y="1420"/>
+                </a:lnTo>
+                <a:lnTo>
+                  <a:pt x="4220" y="1420"/>
+                </a:lnTo>
+                <a:cubicBezTo>
+                  <a:pt x="4330" y="1420"/>
+                  <a:pt x="4420" y="1330"/>
+                  <a:pt x="4420" y="1220"/>
+                </a:cubicBezTo>
+                <a:cubicBezTo>
+                  <a:pt x="4420" y="1110"/>
+                  <a:pt x="4330" y="1020"/>
+                  <a:pt x="4220" y="1020"/>
+                </a:cubicBezTo>
+                <a:close/>
+              </a:path>
+            </a:pathLst>
+          </a:custGeom>
+          <a:solidFill>
+            <a:srgbClr val="FF0000"/>
+          </a:solidFill>
+          <a:ln>
+            <a:solidFill>
+              <a:srgbClr val="FF0000"/>
+            </a:solidFill>
+          </a:ln>
+        </p:spPr>
+        <p:style>
+          <a:lnRef idx="0">
+            <a:scrgbClr r="0" g="0" b="0"/>
+          </a:lnRef>
+          <a:fillRef idx="0">
+            <a:scrgbClr r="0" g="0" b="0"/>
+          </a:fillRef>
+          <a:effectRef idx="0">
+            <a:scrgbClr r="0" g="0" b="0"/>
+          </a:effectRef>
+          <a:fontRef idx="minor"/>
+        </p:style>
+      </p:sp>
+      <p:sp>
+        <p:nvSpPr>
+          <p:cNvPr id="114" name="CustomShape 74"/>
+          <p:cNvSpPr/>
+          <p:nvPr/>
+        </p:nvSpPr>
+        <p:spPr>
+          <a:xfrm rot="10800000" flipV="1">
+            <a:off x="6459823" y="4934340"/>
+            <a:ext cx="299520" cy="122040"/>
+          </a:xfrm>
+          <a:custGeom>
+            <a:avLst/>
+            <a:gdLst/>
+            <a:ahLst/>
+            <a:cxnLst/>
+            <a:rect l="l" t="t" r="r" b="b"/>
+            <a:pathLst>
+              <a:path w="4420" h="2420">
+                <a:moveTo>
+                  <a:pt x="4220" y="1020"/>
+                </a:moveTo>
+                <a:lnTo>
+                  <a:pt x="703" y="1020"/>
+                </a:lnTo>
+                <a:lnTo>
+                  <a:pt x="1361" y="361"/>
+                </a:lnTo>
+                <a:cubicBezTo>
+                  <a:pt x="1440" y="283"/>
+                  <a:pt x="1440" y="157"/>
+                  <a:pt x="1361" y="79"/>
+                </a:cubicBezTo>
+                <a:cubicBezTo>
+                  <a:pt x="1283" y="0"/>
+                  <a:pt x="1157" y="0"/>
+                  <a:pt x="1079" y="79"/>
+                </a:cubicBezTo>
+                <a:lnTo>
+                  <a:pt x="79" y="1079"/>
+                </a:lnTo>
+                <a:cubicBezTo>
+                  <a:pt x="0" y="1157"/>
+                  <a:pt x="0" y="1283"/>
+                  <a:pt x="79" y="1361"/>
+                </a:cubicBezTo>
+                <a:lnTo>
+                  <a:pt x="1079" y="2361"/>
+                </a:lnTo>
+                <a:cubicBezTo>
+                  <a:pt x="1118" y="2400"/>
+                  <a:pt x="1169" y="2420"/>
+                  <a:pt x="1220" y="2420"/>
+                </a:cubicBezTo>
+                <a:cubicBezTo>
+                  <a:pt x="1271" y="2420"/>
+                  <a:pt x="1322" y="2400"/>
+                  <a:pt x="1361" y="2361"/>
+                </a:cubicBezTo>
+                <a:cubicBezTo>
+                  <a:pt x="1440" y="2283"/>
+                  <a:pt x="1440" y="2157"/>
+                  <a:pt x="1361" y="2079"/>
+                </a:cubicBezTo>
+                <a:lnTo>
+                  <a:pt x="703" y="1420"/>
+                </a:lnTo>
+                <a:lnTo>
+                  <a:pt x="4220" y="1420"/>
+                </a:lnTo>
+                <a:cubicBezTo>
+                  <a:pt x="4330" y="1420"/>
+                  <a:pt x="4420" y="1330"/>
+                  <a:pt x="4420" y="1220"/>
+                </a:cubicBezTo>
+                <a:cubicBezTo>
+                  <a:pt x="4420" y="1110"/>
+                  <a:pt x="4330" y="1020"/>
+                  <a:pt x="4220" y="1020"/>
+                </a:cubicBezTo>
+                <a:close/>
+              </a:path>
+            </a:pathLst>
+          </a:custGeom>
+          <a:solidFill>
+            <a:srgbClr val="FF0000"/>
+          </a:solidFill>
+          <a:ln>
+            <a:solidFill>
+              <a:srgbClr val="FF0000"/>
+            </a:solidFill>
+          </a:ln>
+        </p:spPr>
+        <p:style>
+          <a:lnRef idx="0">
+            <a:scrgbClr r="0" g="0" b="0"/>
+          </a:lnRef>
+          <a:fillRef idx="0">
+            <a:scrgbClr r="0" g="0" b="0"/>
+          </a:fillRef>
+          <a:effectRef idx="0">
+            <a:scrgbClr r="0" g="0" b="0"/>
+          </a:effectRef>
+          <a:fontRef idx="minor"/>
+        </p:style>
+      </p:sp>
+      <p:sp>
+        <p:nvSpPr>
+          <p:cNvPr id="115" name="TextShape 75"/>
+          <p:cNvSpPr txBox="1"/>
+          <p:nvPr/>
+        </p:nvSpPr>
+        <p:spPr>
+          <a:xfrm>
+            <a:off x="457200" y="274320"/>
+            <a:ext cx="1828800" cy="346320"/>
+          </a:xfrm>
+          <a:prstGeom prst="rect">
+            <a:avLst/>
+          </a:prstGeom>
+          <a:noFill/>
+          <a:ln>
+            <a:noFill/>
+          </a:ln>
+        </p:spPr>
+        <p:txBody>
+          <a:bodyPr lIns="90000" tIns="45000" rIns="90000" bIns="45000"/>
+          <a:lstStyle/>
+          <a:p>
+            <a:r>
+              <a:rPr lang="en-US" sz="1800" b="0" strike="noStrike" spc="-1" dirty="0">
+                <a:latin typeface="Arial"/>
+              </a:rPr>
+              <a:t>V</a:t>
+            </a:r>
+            <a:r>
+              <a:rPr lang="en-US" altLang="zh-CN" sz="1800" b="0" strike="noStrike" spc="-1" dirty="0">
+                <a:latin typeface="Arial"/>
+              </a:rPr>
+              <a:t>3</a:t>
+            </a:r>
+            <a:endParaRPr lang="en-US" sz="1800" b="0" strike="noStrike" spc="-1" dirty="0">
+              <a:latin typeface="Arial"/>
+            </a:endParaRPr>
+          </a:p>
+        </p:txBody>
+      </p:sp>
+      <p:sp>
+        <p:nvSpPr>
+          <p:cNvPr id="116" name="CustomShape 76"/>
+          <p:cNvSpPr/>
+          <p:nvPr/>
+        </p:nvSpPr>
+        <p:spPr>
+          <a:xfrm rot="10800000" flipV="1">
+            <a:off x="5252040" y="2145488"/>
+            <a:ext cx="299520" cy="122040"/>
+          </a:xfrm>
+          <a:custGeom>
+            <a:avLst/>
+            <a:gdLst/>
+            <a:ahLst/>
+            <a:cxnLst/>
+            <a:rect l="l" t="t" r="r" b="b"/>
+            <a:pathLst>
+              <a:path w="4420" h="2420">
+                <a:moveTo>
+                  <a:pt x="4220" y="1020"/>
+                </a:moveTo>
+                <a:lnTo>
+                  <a:pt x="703" y="1020"/>
+                </a:lnTo>
+                <a:lnTo>
+                  <a:pt x="1361" y="361"/>
+                </a:lnTo>
+                <a:cubicBezTo>
+                  <a:pt x="1440" y="283"/>
+                  <a:pt x="1440" y="157"/>
+                  <a:pt x="1361" y="79"/>
+                </a:cubicBezTo>
+                <a:cubicBezTo>
+                  <a:pt x="1283" y="0"/>
+                  <a:pt x="1157" y="0"/>
+                  <a:pt x="1079" y="79"/>
+                </a:cubicBezTo>
+                <a:lnTo>
+                  <a:pt x="79" y="1079"/>
+                </a:lnTo>
+                <a:cubicBezTo>
+                  <a:pt x="0" y="1157"/>
+                  <a:pt x="0" y="1283"/>
+                  <a:pt x="79" y="1361"/>
+                </a:cubicBezTo>
+                <a:lnTo>
+                  <a:pt x="1079" y="2361"/>
+                </a:lnTo>
+                <a:cubicBezTo>
+                  <a:pt x="1118" y="2400"/>
+                  <a:pt x="1169" y="2420"/>
+                  <a:pt x="1220" y="2420"/>
+                </a:cubicBezTo>
+                <a:cubicBezTo>
+                  <a:pt x="1271" y="2420"/>
+                  <a:pt x="1322" y="2400"/>
+                  <a:pt x="1361" y="2361"/>
+                </a:cubicBezTo>
+                <a:cubicBezTo>
+                  <a:pt x="1440" y="2283"/>
+                  <a:pt x="1440" y="2157"/>
+                  <a:pt x="1361" y="2079"/>
+                </a:cubicBezTo>
+                <a:lnTo>
+                  <a:pt x="703" y="1420"/>
+                </a:lnTo>
+                <a:lnTo>
+                  <a:pt x="4220" y="1420"/>
+                </a:lnTo>
+                <a:cubicBezTo>
+                  <a:pt x="4330" y="1420"/>
+                  <a:pt x="4420" y="1330"/>
+                  <a:pt x="4420" y="1220"/>
+                </a:cubicBezTo>
+                <a:cubicBezTo>
+                  <a:pt x="4420" y="1110"/>
+                  <a:pt x="4330" y="1020"/>
+                  <a:pt x="4220" y="1020"/>
+                </a:cubicBezTo>
+                <a:close/>
+              </a:path>
+            </a:pathLst>
+          </a:custGeom>
+          <a:solidFill>
+            <a:srgbClr val="FF0000"/>
+          </a:solidFill>
+          <a:ln>
+            <a:solidFill>
+              <a:srgbClr val="FF0000"/>
+            </a:solidFill>
+          </a:ln>
+        </p:spPr>
+        <p:style>
+          <a:lnRef idx="0">
+            <a:scrgbClr r="0" g="0" b="0"/>
+          </a:lnRef>
+          <a:fillRef idx="0">
+            <a:scrgbClr r="0" g="0" b="0"/>
+          </a:fillRef>
+          <a:effectRef idx="0">
+            <a:scrgbClr r="0" g="0" b="0"/>
+          </a:effectRef>
+          <a:fontRef idx="minor"/>
+        </p:style>
+      </p:sp>
+      <p:sp>
+        <p:nvSpPr>
+          <p:cNvPr id="117" name="CustomShape 77"/>
+          <p:cNvSpPr/>
+          <p:nvPr/>
+        </p:nvSpPr>
+        <p:spPr>
+          <a:xfrm rot="7457400" flipV="1">
+            <a:off x="5915880" y="3172320"/>
+            <a:ext cx="299520" cy="122040"/>
+          </a:xfrm>
+          <a:custGeom>
+            <a:avLst/>
+            <a:gdLst/>
+            <a:ahLst/>
+            <a:cxnLst/>
+            <a:rect l="l" t="t" r="r" b="b"/>
+            <a:pathLst>
+              <a:path w="4420" h="2420">
+                <a:moveTo>
+                  <a:pt x="4220" y="1020"/>
+                </a:moveTo>
+                <a:lnTo>
+                  <a:pt x="703" y="1020"/>
+                </a:lnTo>
+                <a:lnTo>
+                  <a:pt x="1361" y="361"/>
+                </a:lnTo>
+                <a:cubicBezTo>
+                  <a:pt x="1440" y="283"/>
+                  <a:pt x="1440" y="157"/>
+                  <a:pt x="1361" y="79"/>
+                </a:cubicBezTo>
+                <a:cubicBezTo>
+                  <a:pt x="1283" y="0"/>
+                  <a:pt x="1157" y="0"/>
+                  <a:pt x="1079" y="79"/>
+                </a:cubicBezTo>
+                <a:lnTo>
+                  <a:pt x="79" y="1079"/>
+                </a:lnTo>
+                <a:cubicBezTo>
+                  <a:pt x="0" y="1157"/>
+                  <a:pt x="0" y="1283"/>
+                  <a:pt x="79" y="1361"/>
+                </a:cubicBezTo>
+                <a:lnTo>
+                  <a:pt x="1079" y="2361"/>
+                </a:lnTo>
+                <a:cubicBezTo>
+                  <a:pt x="1118" y="2400"/>
+                  <a:pt x="1169" y="2420"/>
+                  <a:pt x="1220" y="2420"/>
+                </a:cubicBezTo>
+                <a:cubicBezTo>
+                  <a:pt x="1271" y="2420"/>
+                  <a:pt x="1322" y="2400"/>
+                  <a:pt x="1361" y="2361"/>
+                </a:cubicBezTo>
+                <a:cubicBezTo>
+                  <a:pt x="1440" y="2283"/>
+                  <a:pt x="1440" y="2157"/>
+                  <a:pt x="1361" y="2079"/>
+                </a:cubicBezTo>
+                <a:lnTo>
+                  <a:pt x="703" y="1420"/>
+                </a:lnTo>
+                <a:lnTo>
+                  <a:pt x="4220" y="1420"/>
+                </a:lnTo>
+                <a:cubicBezTo>
+                  <a:pt x="4330" y="1420"/>
+                  <a:pt x="4420" y="1330"/>
+                  <a:pt x="4420" y="1220"/>
+                </a:cubicBezTo>
+                <a:cubicBezTo>
+                  <a:pt x="4420" y="1110"/>
+                  <a:pt x="4330" y="1020"/>
+                  <a:pt x="4220" y="1020"/>
+                </a:cubicBezTo>
+                <a:close/>
+              </a:path>
+            </a:pathLst>
+          </a:custGeom>
+          <a:solidFill>
+            <a:srgbClr val="FF0000"/>
+          </a:solidFill>
+          <a:ln>
+            <a:solidFill>
+              <a:srgbClr val="FF0000"/>
+            </a:solidFill>
+          </a:ln>
+        </p:spPr>
+        <p:style>
+          <a:lnRef idx="0">
+            <a:scrgbClr r="0" g="0" b="0"/>
+          </a:lnRef>
+          <a:fillRef idx="0">
+            <a:scrgbClr r="0" g="0" b="0"/>
+          </a:fillRef>
+          <a:effectRef idx="0">
+            <a:scrgbClr r="0" g="0" b="0"/>
+          </a:effectRef>
+          <a:fontRef idx="minor"/>
+        </p:style>
+      </p:sp>
+      <p:sp>
+        <p:nvSpPr>
+          <p:cNvPr id="118" name="CustomShape 78"/>
+          <p:cNvSpPr/>
+          <p:nvPr/>
+        </p:nvSpPr>
+        <p:spPr>
+          <a:xfrm rot="16200000" flipV="1">
+            <a:off x="7060663" y="4369363"/>
+            <a:ext cx="508320" cy="122040"/>
+          </a:xfrm>
+          <a:custGeom>
+            <a:avLst/>
+            <a:gdLst/>
+            <a:ahLst/>
+            <a:cxnLst/>
+            <a:rect l="l" t="t" r="r" b="b"/>
+            <a:pathLst>
+              <a:path w="4420" h="2420">
+                <a:moveTo>
+                  <a:pt x="4220" y="1020"/>
+                </a:moveTo>
+                <a:lnTo>
+                  <a:pt x="703" y="1020"/>
+                </a:lnTo>
+                <a:lnTo>
+                  <a:pt x="1361" y="361"/>
+                </a:lnTo>
+                <a:cubicBezTo>
+                  <a:pt x="1440" y="283"/>
+                  <a:pt x="1440" y="157"/>
+                  <a:pt x="1361" y="79"/>
+                </a:cubicBezTo>
+                <a:cubicBezTo>
+                  <a:pt x="1283" y="0"/>
+                  <a:pt x="1157" y="0"/>
+                  <a:pt x="1079" y="79"/>
+                </a:cubicBezTo>
+                <a:lnTo>
+                  <a:pt x="79" y="1079"/>
+                </a:lnTo>
+                <a:cubicBezTo>
+                  <a:pt x="0" y="1157"/>
+                  <a:pt x="0" y="1283"/>
+                  <a:pt x="79" y="1361"/>
+                </a:cubicBezTo>
+                <a:lnTo>
+                  <a:pt x="1079" y="2361"/>
+                </a:lnTo>
+                <a:cubicBezTo>
+                  <a:pt x="1118" y="2400"/>
+                  <a:pt x="1169" y="2420"/>
+                  <a:pt x="1220" y="2420"/>
+                </a:cubicBezTo>
+                <a:cubicBezTo>
+                  <a:pt x="1271" y="2420"/>
+                  <a:pt x="1322" y="2400"/>
+                  <a:pt x="1361" y="2361"/>
+                </a:cubicBezTo>
+                <a:cubicBezTo>
+                  <a:pt x="1440" y="2283"/>
+                  <a:pt x="1440" y="2157"/>
+                  <a:pt x="1361" y="2079"/>
+                </a:cubicBezTo>
+                <a:lnTo>
+                  <a:pt x="703" y="1420"/>
+                </a:lnTo>
+                <a:lnTo>
+                  <a:pt x="4220" y="1420"/>
+                </a:lnTo>
+                <a:cubicBezTo>
+                  <a:pt x="4330" y="1420"/>
+                  <a:pt x="4420" y="1330"/>
+                  <a:pt x="4420" y="1220"/>
+                </a:cubicBezTo>
+                <a:cubicBezTo>
+                  <a:pt x="4420" y="1110"/>
+                  <a:pt x="4330" y="1020"/>
+                  <a:pt x="4220" y="1020"/>
+                </a:cubicBezTo>
+                <a:close/>
+              </a:path>
+            </a:pathLst>
+          </a:custGeom>
+          <a:solidFill>
+            <a:srgbClr val="FF0000"/>
+          </a:solidFill>
+          <a:ln>
+            <a:solidFill>
+              <a:srgbClr val="FF0000"/>
+            </a:solidFill>
+          </a:ln>
+        </p:spPr>
+        <p:style>
+          <a:lnRef idx="0">
+            <a:scrgbClr r="0" g="0" b="0"/>
+          </a:lnRef>
+          <a:fillRef idx="0">
+            <a:scrgbClr r="0" g="0" b="0"/>
+          </a:fillRef>
+          <a:effectRef idx="0">
+            <a:scrgbClr r="0" g="0" b="0"/>
+          </a:effectRef>
+          <a:fontRef idx="minor"/>
+        </p:style>
+      </p:sp>
+      <p:sp>
+        <p:nvSpPr>
+          <p:cNvPr id="119" name="Line 67">
+            <a:extLst>
+              <a:ext uri="{FF2B5EF4-FFF2-40B4-BE49-F238E27FC236}">
+                <a16:creationId xmlns:a16="http://schemas.microsoft.com/office/drawing/2014/main" id="{AE058D76-C358-4455-A4D2-9A0F17918283}"/>
+              </a:ext>
+            </a:extLst>
+          </p:cNvPr>
+          <p:cNvSpPr/>
+          <p:nvPr/>
+        </p:nvSpPr>
+        <p:spPr>
+          <a:xfrm flipV="1">
+            <a:off x="2323215" y="4127073"/>
+            <a:ext cx="360" cy="192960"/>
+          </a:xfrm>
+          <a:prstGeom prst="line">
+            <a:avLst/>
+          </a:prstGeom>
+          <a:ln w="38160">
+            <a:solidFill>
+              <a:srgbClr val="000000"/>
+            </a:solidFill>
+            <a:custDash>
+              <a:ds d="300000" sp="100000"/>
+            </a:custDash>
+          </a:ln>
+        </p:spPr>
+        <p:style>
+          <a:lnRef idx="1">
+            <a:schemeClr val="accent1"/>
+          </a:lnRef>
+          <a:fillRef idx="0">
+            <a:schemeClr val="accent1"/>
+          </a:fillRef>
+          <a:effectRef idx="0">
+            <a:schemeClr val="accent1"/>
+          </a:effectRef>
+          <a:fontRef idx="minor"/>
+        </p:style>
+      </p:sp>
+      <p:sp>
+        <p:nvSpPr>
+          <p:cNvPr id="120" name="Line 68">
+            <a:extLst>
+              <a:ext uri="{FF2B5EF4-FFF2-40B4-BE49-F238E27FC236}">
+                <a16:creationId xmlns:a16="http://schemas.microsoft.com/office/drawing/2014/main" id="{2B2C11C7-8FEA-410C-AE0D-08AF542BC503}"/>
+              </a:ext>
+            </a:extLst>
+          </p:cNvPr>
+          <p:cNvSpPr/>
+          <p:nvPr/>
+        </p:nvSpPr>
+        <p:spPr>
+          <a:xfrm flipH="1">
+            <a:off x="2323212" y="4289486"/>
+            <a:ext cx="6148406" cy="12607"/>
+          </a:xfrm>
+          <a:prstGeom prst="line">
+            <a:avLst/>
+          </a:prstGeom>
+          <a:ln w="38160">
+            <a:solidFill>
+              <a:srgbClr val="000000"/>
+            </a:solidFill>
+            <a:custDash>
+              <a:ds d="300000" sp="100000"/>
+            </a:custDash>
+          </a:ln>
+        </p:spPr>
+        <p:style>
+          <a:lnRef idx="1">
+            <a:schemeClr val="accent1"/>
+          </a:lnRef>
+          <a:fillRef idx="0">
+            <a:schemeClr val="accent1"/>
+          </a:fillRef>
+          <a:effectRef idx="0">
+            <a:schemeClr val="accent1"/>
+          </a:effectRef>
+          <a:fontRef idx="minor"/>
+        </p:style>
+      </p:sp>
+      <p:grpSp>
+        <p:nvGrpSpPr>
+          <p:cNvPr id="121" name="Group 98">
+            <a:extLst>
+              <a:ext uri="{FF2B5EF4-FFF2-40B4-BE49-F238E27FC236}">
+                <a16:creationId xmlns:a16="http://schemas.microsoft.com/office/drawing/2014/main" id="{215A80C6-C113-4DD1-980B-A3BAB63430A5}"/>
+              </a:ext>
+            </a:extLst>
+          </p:cNvPr>
+          <p:cNvGrpSpPr/>
+          <p:nvPr/>
+        </p:nvGrpSpPr>
+        <p:grpSpPr>
+          <a:xfrm>
+            <a:off x="8257221" y="4435268"/>
+            <a:ext cx="1806391" cy="639000"/>
+            <a:chOff x="6126803" y="4366261"/>
+            <a:chExt cx="976356" cy="639000"/>
+          </a:xfrm>
+        </p:grpSpPr>
+        <p:sp>
+          <p:nvSpPr>
+            <p:cNvPr id="122" name="CustomShape 99">
+              <a:extLst>
+                <a:ext uri="{FF2B5EF4-FFF2-40B4-BE49-F238E27FC236}">
+                  <a16:creationId xmlns:a16="http://schemas.microsoft.com/office/drawing/2014/main" id="{68137BE2-7A2E-49FF-8489-F501B617319A}"/>
+                </a:ext>
+              </a:extLst>
+            </p:cNvPr>
+            <p:cNvSpPr/>
+            <p:nvPr/>
+          </p:nvSpPr>
+          <p:spPr>
+            <a:xfrm>
+              <a:off x="6126803" y="4385880"/>
+              <a:ext cx="976356" cy="331381"/>
+            </a:xfrm>
+            <a:prstGeom prst="roundRect">
+              <a:avLst>
+                <a:gd name="adj" fmla="val 0"/>
+              </a:avLst>
+            </a:prstGeom>
+            <a:noFill/>
+            <a:ln w="38160">
+              <a:solidFill>
+                <a:srgbClr val="7030A0"/>
+              </a:solidFill>
+            </a:ln>
+          </p:spPr>
+          <p:style>
+            <a:lnRef idx="2">
+              <a:schemeClr val="accent1">
+                <a:shade val="50000"/>
+              </a:schemeClr>
+            </a:lnRef>
+            <a:fillRef idx="1">
+              <a:schemeClr val="accent1"/>
+            </a:fillRef>
+            <a:effectRef idx="0">
+              <a:schemeClr val="accent1"/>
+            </a:effectRef>
+            <a:fontRef idx="minor"/>
+          </p:style>
+        </p:sp>
+        <p:sp>
+          <p:nvSpPr>
+            <p:cNvPr id="123" name="CustomShape 100">
+              <a:extLst>
+                <a:ext uri="{FF2B5EF4-FFF2-40B4-BE49-F238E27FC236}">
+                  <a16:creationId xmlns:a16="http://schemas.microsoft.com/office/drawing/2014/main" id="{CF54078E-CECF-415B-8404-CEA9A0683273}"/>
+                </a:ext>
+              </a:extLst>
+            </p:cNvPr>
+            <p:cNvSpPr/>
+            <p:nvPr/>
+          </p:nvSpPr>
+          <p:spPr>
+            <a:xfrm>
+              <a:off x="6126804" y="4366261"/>
+              <a:ext cx="973440" cy="639000"/>
+            </a:xfrm>
+            <a:prstGeom prst="rect">
+              <a:avLst/>
+            </a:prstGeom>
+            <a:noFill/>
+            <a:ln>
+              <a:noFill/>
+            </a:ln>
+          </p:spPr>
+          <p:style>
+            <a:lnRef idx="0">
+              <a:scrgbClr r="0" g="0" b="0"/>
+            </a:lnRef>
+            <a:fillRef idx="0">
+              <a:scrgbClr r="0" g="0" b="0"/>
+            </a:fillRef>
+            <a:effectRef idx="0">
+              <a:scrgbClr r="0" g="0" b="0"/>
+            </a:effectRef>
+            <a:fontRef idx="minor"/>
+          </p:style>
+          <p:txBody>
+            <a:bodyPr wrap="none" lIns="90000" tIns="45000" rIns="90000" bIns="45000"/>
+            <a:lstStyle/>
+            <a:p>
+              <a:pPr algn="ctr">
+                <a:lnSpc>
+                  <a:spcPct val="100000"/>
+                </a:lnSpc>
+              </a:pPr>
+              <a:r>
+                <a:rPr lang="en-US" sz="1800" b="0" strike="noStrike" spc="-1" dirty="0">
+                  <a:solidFill>
+                    <a:srgbClr val="000000"/>
+                  </a:solidFill>
+                  <a:latin typeface="Times New Roman"/>
+                </a:rPr>
+                <a:t>Wireless Channel</a:t>
+              </a:r>
+              <a:endParaRPr lang="en-US" sz="1800" b="0" strike="noStrike" spc="-1" dirty="0">
+                <a:latin typeface="Arial"/>
+              </a:endParaRPr>
+            </a:p>
+          </p:txBody>
+        </p:sp>
+      </p:grpSp>
+      <p:sp>
+        <p:nvSpPr>
+          <p:cNvPr id="124" name="Line 63">
+            <a:extLst>
+              <a:ext uri="{FF2B5EF4-FFF2-40B4-BE49-F238E27FC236}">
+                <a16:creationId xmlns:a16="http://schemas.microsoft.com/office/drawing/2014/main" id="{5965DC9E-DD8D-470A-ABEA-90128BBE82E3}"/>
+              </a:ext>
+            </a:extLst>
+          </p:cNvPr>
+          <p:cNvSpPr/>
+          <p:nvPr/>
+        </p:nvSpPr>
+        <p:spPr>
+          <a:xfrm flipV="1">
+            <a:off x="8479738" y="4289062"/>
+            <a:ext cx="0" cy="165825"/>
+          </a:xfrm>
+          <a:prstGeom prst="line">
+            <a:avLst/>
+          </a:prstGeom>
+          <a:ln w="38160">
+            <a:solidFill>
+              <a:srgbClr val="000000"/>
+            </a:solidFill>
+            <a:custDash>
+              <a:ds d="300000" sp="100000"/>
+            </a:custDash>
+          </a:ln>
+        </p:spPr>
+        <p:style>
+          <a:lnRef idx="1">
+            <a:schemeClr val="accent1"/>
+          </a:lnRef>
+          <a:fillRef idx="0">
+            <a:schemeClr val="accent1"/>
+          </a:fillRef>
+          <a:effectRef idx="0">
+            <a:schemeClr val="accent1"/>
+          </a:effectRef>
+          <a:fontRef idx="minor"/>
+        </p:style>
+        <p:txBody>
+          <a:bodyPr/>
+          <a:lstStyle/>
+          <a:p>
+            <a:endParaRPr lang="zh-CN" altLang="en-US" dirty="0"/>
+          </a:p>
+        </p:txBody>
+      </p:sp>
+      <p:sp>
+        <p:nvSpPr>
+          <p:cNvPr id="125" name="Line 63">
+            <a:extLst>
+              <a:ext uri="{FF2B5EF4-FFF2-40B4-BE49-F238E27FC236}">
+                <a16:creationId xmlns:a16="http://schemas.microsoft.com/office/drawing/2014/main" id="{19BF245A-1BCE-4A10-92B3-7612770958DA}"/>
+              </a:ext>
+            </a:extLst>
+          </p:cNvPr>
+          <p:cNvSpPr/>
+          <p:nvPr/>
+        </p:nvSpPr>
+        <p:spPr>
+          <a:xfrm flipV="1">
+            <a:off x="9406286" y="4183630"/>
+            <a:ext cx="0" cy="258791"/>
+          </a:xfrm>
+          <a:prstGeom prst="line">
+            <a:avLst/>
+          </a:prstGeom>
+          <a:ln w="38160">
+            <a:solidFill>
+              <a:srgbClr val="000000"/>
+            </a:solidFill>
+            <a:custDash>
+              <a:ds d="300000" sp="100000"/>
+            </a:custDash>
+          </a:ln>
+        </p:spPr>
+        <p:style>
+          <a:lnRef idx="1">
+            <a:schemeClr val="accent1"/>
+          </a:lnRef>
+          <a:fillRef idx="0">
+            <a:schemeClr val="accent1"/>
+          </a:fillRef>
+          <a:effectRef idx="0">
+            <a:schemeClr val="accent1"/>
+          </a:effectRef>
+          <a:fontRef idx="minor"/>
+        </p:style>
+        <p:txBody>
+          <a:bodyPr/>
+          <a:lstStyle/>
+          <a:p>
+            <a:endParaRPr lang="zh-CN" altLang="en-US" dirty="0"/>
+          </a:p>
+        </p:txBody>
+      </p:sp>
+      <p:sp>
+        <p:nvSpPr>
+          <p:cNvPr id="126" name="CustomShape 69">
+            <a:extLst>
+              <a:ext uri="{FF2B5EF4-FFF2-40B4-BE49-F238E27FC236}">
+                <a16:creationId xmlns:a16="http://schemas.microsoft.com/office/drawing/2014/main" id="{CAB6E3BD-096B-4A0E-A28D-AFEDADEE8FDC}"/>
+              </a:ext>
+            </a:extLst>
+          </p:cNvPr>
+          <p:cNvSpPr/>
+          <p:nvPr/>
+        </p:nvSpPr>
+        <p:spPr>
+          <a:xfrm rot="16200000" flipV="1">
+            <a:off x="9256526" y="4876191"/>
+            <a:ext cx="299520" cy="122040"/>
+          </a:xfrm>
+          <a:custGeom>
+            <a:avLst/>
+            <a:gdLst/>
+            <a:ahLst/>
+            <a:cxnLst/>
+            <a:rect l="l" t="t" r="r" b="b"/>
+            <a:pathLst>
+              <a:path w="4420" h="2420">
+                <a:moveTo>
+                  <a:pt x="4220" y="1020"/>
+                </a:moveTo>
+                <a:lnTo>
+                  <a:pt x="703" y="1020"/>
+                </a:lnTo>
+                <a:lnTo>
+                  <a:pt x="1361" y="361"/>
+                </a:lnTo>
+                <a:cubicBezTo>
+                  <a:pt x="1440" y="283"/>
+                  <a:pt x="1440" y="157"/>
+                  <a:pt x="1361" y="79"/>
+                </a:cubicBezTo>
+                <a:cubicBezTo>
+                  <a:pt x="1283" y="0"/>
+                  <a:pt x="1157" y="0"/>
+                  <a:pt x="1079" y="79"/>
+                </a:cubicBezTo>
+                <a:lnTo>
+                  <a:pt x="79" y="1079"/>
+                </a:lnTo>
+                <a:cubicBezTo>
+                  <a:pt x="0" y="1157"/>
+                  <a:pt x="0" y="1283"/>
+                  <a:pt x="79" y="1361"/>
+                </a:cubicBezTo>
+                <a:lnTo>
+                  <a:pt x="1079" y="2361"/>
+                </a:lnTo>
+                <a:cubicBezTo>
+                  <a:pt x="1118" y="2400"/>
+                  <a:pt x="1169" y="2420"/>
+                  <a:pt x="1220" y="2420"/>
+                </a:cubicBezTo>
+                <a:cubicBezTo>
+                  <a:pt x="1271" y="2420"/>
+                  <a:pt x="1322" y="2400"/>
+                  <a:pt x="1361" y="2361"/>
+                </a:cubicBezTo>
+                <a:cubicBezTo>
+                  <a:pt x="1440" y="2283"/>
+                  <a:pt x="1440" y="2157"/>
+                  <a:pt x="1361" y="2079"/>
+                </a:cubicBezTo>
+                <a:lnTo>
+                  <a:pt x="703" y="1420"/>
+                </a:lnTo>
+                <a:lnTo>
+                  <a:pt x="4220" y="1420"/>
+                </a:lnTo>
+                <a:cubicBezTo>
+                  <a:pt x="4330" y="1420"/>
+                  <a:pt x="4420" y="1330"/>
+                  <a:pt x="4420" y="1220"/>
+                </a:cubicBezTo>
+                <a:cubicBezTo>
+                  <a:pt x="4420" y="1110"/>
+                  <a:pt x="4330" y="1020"/>
+                  <a:pt x="4220" y="1020"/>
+                </a:cubicBezTo>
+                <a:close/>
+              </a:path>
+            </a:pathLst>
+          </a:custGeom>
+          <a:solidFill>
+            <a:srgbClr val="FF0000"/>
+          </a:solidFill>
+          <a:ln>
+            <a:solidFill>
+              <a:srgbClr val="FF0000"/>
+            </a:solidFill>
+          </a:ln>
+        </p:spPr>
+        <p:style>
+          <a:lnRef idx="0">
+            <a:scrgbClr r="0" g="0" b="0"/>
+          </a:lnRef>
+          <a:fillRef idx="0">
+            <a:scrgbClr r="0" g="0" b="0"/>
+          </a:fillRef>
+          <a:effectRef idx="0">
+            <a:scrgbClr r="0" g="0" b="0"/>
+          </a:effectRef>
+          <a:fontRef idx="minor"/>
+        </p:style>
+      </p:sp>
+      <p:grpSp>
+        <p:nvGrpSpPr>
+          <p:cNvPr id="127" name="Group 47">
+            <a:extLst>
+              <a:ext uri="{FF2B5EF4-FFF2-40B4-BE49-F238E27FC236}">
+                <a16:creationId xmlns:a16="http://schemas.microsoft.com/office/drawing/2014/main" id="{FC706832-988B-406F-9C46-1496EB6C0839}"/>
+              </a:ext>
+            </a:extLst>
+          </p:cNvPr>
+          <p:cNvGrpSpPr/>
+          <p:nvPr/>
+        </p:nvGrpSpPr>
+        <p:grpSpPr>
+          <a:xfrm>
+            <a:off x="8655488" y="5131298"/>
+            <a:ext cx="1495874" cy="639000"/>
+            <a:chOff x="9473400" y="3463920"/>
+            <a:chExt cx="1232640" cy="639000"/>
+          </a:xfrm>
+        </p:grpSpPr>
+        <p:sp>
+          <p:nvSpPr>
+            <p:cNvPr id="128" name="CustomShape 48">
+              <a:extLst>
+                <a:ext uri="{FF2B5EF4-FFF2-40B4-BE49-F238E27FC236}">
+                  <a16:creationId xmlns:a16="http://schemas.microsoft.com/office/drawing/2014/main" id="{4C99BDD4-4D08-4487-8FD7-F09FA2E5D03E}"/>
+                </a:ext>
+              </a:extLst>
+            </p:cNvPr>
+            <p:cNvSpPr/>
+            <p:nvPr/>
+          </p:nvSpPr>
+          <p:spPr>
+            <a:xfrm>
+              <a:off x="9548182" y="3463920"/>
+              <a:ext cx="1055619" cy="373032"/>
+            </a:xfrm>
+            <a:prstGeom prst="roundRect">
+              <a:avLst>
+                <a:gd name="adj" fmla="val 16667"/>
+              </a:avLst>
+            </a:prstGeom>
+            <a:solidFill>
+              <a:srgbClr val="ECE0EE"/>
+            </a:solidFill>
+            <a:ln w="28440">
+              <a:solidFill>
+                <a:srgbClr val="ED4390"/>
+              </a:solidFill>
+            </a:ln>
+          </p:spPr>
+          <p:style>
+            <a:lnRef idx="2">
+              <a:schemeClr val="accent1">
+                <a:shade val="50000"/>
+              </a:schemeClr>
+            </a:lnRef>
+            <a:fillRef idx="1">
+              <a:schemeClr val="accent1"/>
+            </a:fillRef>
+            <a:effectRef idx="0">
+              <a:schemeClr val="accent1"/>
+            </a:effectRef>
+            <a:fontRef idx="minor"/>
+          </p:style>
+        </p:sp>
+        <p:sp>
+          <p:nvSpPr>
+            <p:cNvPr id="129" name="CustomShape 49">
+              <a:extLst>
+                <a:ext uri="{FF2B5EF4-FFF2-40B4-BE49-F238E27FC236}">
+                  <a16:creationId xmlns:a16="http://schemas.microsoft.com/office/drawing/2014/main" id="{9D9251B9-FC98-4CDE-97EF-CED839891D9C}"/>
+                </a:ext>
+              </a:extLst>
+            </p:cNvPr>
+            <p:cNvSpPr/>
+            <p:nvPr/>
+          </p:nvSpPr>
+          <p:spPr>
+            <a:xfrm>
+              <a:off x="9473400" y="3463920"/>
+              <a:ext cx="1232640" cy="639000"/>
+            </a:xfrm>
+            <a:prstGeom prst="rect">
+              <a:avLst/>
+            </a:prstGeom>
+            <a:noFill/>
+            <a:ln>
+              <a:noFill/>
+            </a:ln>
+          </p:spPr>
+          <p:style>
+            <a:lnRef idx="0">
+              <a:scrgbClr r="0" g="0" b="0"/>
+            </a:lnRef>
+            <a:fillRef idx="0">
+              <a:scrgbClr r="0" g="0" b="0"/>
+            </a:fillRef>
+            <a:effectRef idx="0">
+              <a:scrgbClr r="0" g="0" b="0"/>
+            </a:effectRef>
+            <a:fontRef idx="minor"/>
+          </p:style>
+          <p:txBody>
+            <a:bodyPr lIns="90000" tIns="45000" rIns="90000" bIns="45000"/>
+            <a:lstStyle/>
+            <a:p>
+              <a:pPr algn="ctr">
+                <a:lnSpc>
+                  <a:spcPct val="100000"/>
+                </a:lnSpc>
+              </a:pPr>
+              <a:r>
+                <a:rPr lang="en-US" altLang="zh-CN" spc="-1" dirty="0">
+                  <a:solidFill>
+                    <a:srgbClr val="000000"/>
+                  </a:solidFill>
+                  <a:latin typeface="Times New Roman"/>
+                </a:rPr>
+                <a:t>Noise </a:t>
+              </a:r>
+              <a:r>
+                <a:rPr lang="en-US" sz="1800" strike="noStrike" spc="-1" dirty="0">
+                  <a:solidFill>
+                    <a:srgbClr val="000000"/>
+                  </a:solidFill>
+                  <a:latin typeface="Times New Roman"/>
+                </a:rPr>
+                <a:t>Audio</a:t>
+              </a:r>
+              <a:endParaRPr lang="en-US" sz="1800" strike="noStrike" spc="-1" dirty="0">
+                <a:latin typeface="Arial"/>
+              </a:endParaRPr>
+            </a:p>
+          </p:txBody>
+        </p:sp>
+      </p:grpSp>
+      <p:grpSp>
+        <p:nvGrpSpPr>
+          <p:cNvPr id="132" name="Group 24">
+            <a:extLst>
+              <a:ext uri="{FF2B5EF4-FFF2-40B4-BE49-F238E27FC236}">
+                <a16:creationId xmlns:a16="http://schemas.microsoft.com/office/drawing/2014/main" id="{575D9838-B8A7-4C4F-9640-0F4E588D14E9}"/>
+              </a:ext>
+            </a:extLst>
+          </p:cNvPr>
+          <p:cNvGrpSpPr/>
+          <p:nvPr/>
+        </p:nvGrpSpPr>
+        <p:grpSpPr>
+          <a:xfrm>
+            <a:off x="8479738" y="1826395"/>
+            <a:ext cx="1449360" cy="655200"/>
+            <a:chOff x="6859440" y="3454920"/>
+            <a:chExt cx="1449360" cy="655200"/>
+          </a:xfrm>
+        </p:grpSpPr>
+        <p:sp>
+          <p:nvSpPr>
+            <p:cNvPr id="133" name="CustomShape 25">
+              <a:extLst>
+                <a:ext uri="{FF2B5EF4-FFF2-40B4-BE49-F238E27FC236}">
+                  <a16:creationId xmlns:a16="http://schemas.microsoft.com/office/drawing/2014/main" id="{3694F4A9-7A09-4776-8AFA-42902E0D95B1}"/>
+                </a:ext>
+              </a:extLst>
+            </p:cNvPr>
+            <p:cNvSpPr/>
+            <p:nvPr/>
+          </p:nvSpPr>
+          <p:spPr>
+            <a:xfrm>
+              <a:off x="6859440" y="3464280"/>
+              <a:ext cx="1424880" cy="645840"/>
+            </a:xfrm>
+            <a:prstGeom prst="roundRect">
+              <a:avLst>
+                <a:gd name="adj" fmla="val 16667"/>
+              </a:avLst>
+            </a:prstGeom>
+            <a:solidFill>
+              <a:srgbClr val="CCCCFF"/>
+            </a:solidFill>
+            <a:ln w="28440">
+              <a:solidFill>
+                <a:srgbClr val="7030A0"/>
+              </a:solidFill>
+            </a:ln>
+          </p:spPr>
+          <p:style>
+            <a:lnRef idx="2">
+              <a:schemeClr val="accent1">
+                <a:shade val="50000"/>
+              </a:schemeClr>
+            </a:lnRef>
+            <a:fillRef idx="1">
+              <a:schemeClr val="accent1"/>
+            </a:fillRef>
+            <a:effectRef idx="0">
+              <a:schemeClr val="accent1"/>
+            </a:effectRef>
+            <a:fontRef idx="minor"/>
+          </p:style>
+        </p:sp>
+        <p:sp>
+          <p:nvSpPr>
+            <p:cNvPr id="134" name="CustomShape 26">
+              <a:extLst>
+                <a:ext uri="{FF2B5EF4-FFF2-40B4-BE49-F238E27FC236}">
+                  <a16:creationId xmlns:a16="http://schemas.microsoft.com/office/drawing/2014/main" id="{CBB49BD4-9E3A-4498-B00B-82721237A7E7}"/>
+                </a:ext>
+              </a:extLst>
+            </p:cNvPr>
+            <p:cNvSpPr/>
+            <p:nvPr/>
+          </p:nvSpPr>
+          <p:spPr>
+            <a:xfrm>
+              <a:off x="6859440" y="3454920"/>
+              <a:ext cx="1449360" cy="639000"/>
+            </a:xfrm>
+            <a:prstGeom prst="rect">
+              <a:avLst/>
+            </a:prstGeom>
+            <a:noFill/>
+            <a:ln>
+              <a:noFill/>
+            </a:ln>
+          </p:spPr>
+          <p:style>
+            <a:lnRef idx="0">
+              <a:scrgbClr r="0" g="0" b="0"/>
+            </a:lnRef>
+            <a:fillRef idx="0">
+              <a:scrgbClr r="0" g="0" b="0"/>
+            </a:fillRef>
+            <a:effectRef idx="0">
+              <a:scrgbClr r="0" g="0" b="0"/>
+            </a:effectRef>
+            <a:fontRef idx="minor"/>
+          </p:style>
+          <p:txBody>
+            <a:bodyPr lIns="90000" tIns="45000" rIns="90000" bIns="45000"/>
+            <a:lstStyle/>
+            <a:p>
+              <a:pPr algn="ctr">
+                <a:lnSpc>
+                  <a:spcPct val="100000"/>
+                </a:lnSpc>
+              </a:pPr>
+              <a:r>
+                <a:rPr lang="en-US" spc="-1" dirty="0">
+                  <a:solidFill>
+                    <a:srgbClr val="000000"/>
+                  </a:solidFill>
+                  <a:latin typeface="Times New Roman"/>
+                </a:rPr>
+                <a:t>N</a:t>
+              </a:r>
+              <a:r>
+                <a:rPr lang="en-US" altLang="zh-CN" spc="-1" dirty="0">
+                  <a:solidFill>
+                    <a:srgbClr val="000000"/>
+                  </a:solidFill>
+                  <a:latin typeface="Times New Roman"/>
+                </a:rPr>
+                <a:t>oise</a:t>
+              </a:r>
+              <a:endParaRPr lang="en-US" sz="1800" b="0" strike="noStrike" spc="-1" dirty="0">
+                <a:latin typeface="Arial"/>
+              </a:endParaRPr>
+            </a:p>
+            <a:p>
+              <a:pPr algn="ctr">
+                <a:lnSpc>
+                  <a:spcPct val="100000"/>
+                </a:lnSpc>
+              </a:pPr>
+              <a:r>
+                <a:rPr lang="en-US" sz="1800" b="0" strike="noStrike" spc="-1" dirty="0">
+                  <a:solidFill>
+                    <a:srgbClr val="000000"/>
+                  </a:solidFill>
+                  <a:latin typeface="Times New Roman"/>
+                </a:rPr>
+                <a:t>Spectrogram</a:t>
+              </a:r>
+              <a:endParaRPr lang="en-US" sz="1800" b="0" strike="noStrike" spc="-1" dirty="0">
+                <a:latin typeface="Arial"/>
+              </a:endParaRPr>
+            </a:p>
+          </p:txBody>
+        </p:sp>
+      </p:grpSp>
+    </p:spTree>
+    <p:extLst>
+      <p:ext uri="{BB962C8B-B14F-4D97-AF65-F5344CB8AC3E}">
+        <p14:creationId xmlns:p14="http://schemas.microsoft.com/office/powerpoint/2010/main" val="2925047004"/>
+      </p:ext>
+    </p:extLst>
+  </p:cSld>
+  <p:clrMapOvr>
+    <a:masterClrMapping/>
+  </p:clrMapOvr>
+  <p:timing>
+    <p:tnLst>
+      <p:par>
+        <p:cTn id="1" dur="indefinite" restart="never" nodeType="tmRoot">
+          <p:childTnLst>
+            <p:seq>
+              <p:cTn id="2" dur="indefinite" nodeType="mainSeq"/>
+              <p:prevCondLst>
+                <p:cond evt="onPrev" delay="0">
+                  <p:tgtEl>
+                    <p:sldTgt/>
+                  </p:tgtEl>
+                </p:cond>
+              </p:prevCondLst>
+              <p:nextCondLst>
+                <p:cond evt="onNext" delay="0">
+                  <p:tgtEl>
+                    <p:sldTgt/>
+                  </p:tgtEl>
+                </p:cond>
+              </p:nextCondLst>
+            </p:seq>
+          </p:childTnLst>
+        </p:cTn>
+      </p:par>
+    </p:tnLst>
+  </p:timing>
+</p:sld>
+</file>
+
 <file path=ppt/theme/theme1.xml><?xml version="1.0" encoding="utf-8"?>
 <a:theme xmlns:a="http://schemas.openxmlformats.org/drawingml/2006/main" name="Office Theme">
   <a:themeElements>

--- a/infocom21.pptx
+++ b/infocom21.pptx
@@ -27889,10 +27889,10 @@
         </p:nvGrpSpPr>
         <p:grpSpPr>
           <a:xfrm>
-            <a:off x="8655488" y="5131298"/>
-            <a:ext cx="1495874" cy="639000"/>
-            <a:chOff x="9473400" y="3463920"/>
-            <a:chExt cx="1232640" cy="639000"/>
+            <a:off x="8199792" y="5113497"/>
+            <a:ext cx="2043505" cy="639000"/>
+            <a:chOff x="9321886" y="3463920"/>
+            <a:chExt cx="1384154" cy="639000"/>
           </a:xfrm>
         </p:grpSpPr>
         <p:sp>
@@ -27909,8 +27909,8 @@
           </p:nvSpPr>
           <p:spPr>
             <a:xfrm>
-              <a:off x="9548182" y="3463920"/>
-              <a:ext cx="1055619" cy="373032"/>
+              <a:off x="9378361" y="3463920"/>
+              <a:ext cx="1225440" cy="373032"/>
             </a:xfrm>
             <a:prstGeom prst="roundRect">
               <a:avLst>
@@ -27955,8 +27955,8 @@
           </p:nvSpPr>
           <p:spPr>
             <a:xfrm>
-              <a:off x="9473400" y="3463920"/>
-              <a:ext cx="1232640" cy="639000"/>
+              <a:off x="9321886" y="3463920"/>
+              <a:ext cx="1384154" cy="639000"/>
             </a:xfrm>
             <a:prstGeom prst="rect">
               <a:avLst/>
@@ -27994,7 +27994,7 @@
                   </a:solidFill>
                   <a:latin typeface="Times New Roman"/>
                 </a:rPr>
-                <a:t>Noise </a:t>
+                <a:t>Purified </a:t>
               </a:r>
               <a:r>
                 <a:rPr lang="en-US" sz="1800" strike="noStrike" spc="-1" dirty="0">
@@ -28168,6 +28168,242 @@
           </p:txBody>
         </p:sp>
       </p:grpSp>
+      <p:grpSp>
+        <p:nvGrpSpPr>
+          <p:cNvPr id="101" name="Group 53">
+            <a:extLst>
+              <a:ext uri="{FF2B5EF4-FFF2-40B4-BE49-F238E27FC236}">
+                <a16:creationId xmlns:a16="http://schemas.microsoft.com/office/drawing/2014/main" id="{F563FD4F-5334-4104-BD7B-12C599C5974A}"/>
+              </a:ext>
+            </a:extLst>
+          </p:cNvPr>
+          <p:cNvGrpSpPr/>
+          <p:nvPr/>
+        </p:nvGrpSpPr>
+        <p:grpSpPr>
+          <a:xfrm>
+            <a:off x="8817896" y="4687757"/>
+            <a:ext cx="337680" cy="455400"/>
+            <a:chOff x="6341400" y="3552247"/>
+            <a:chExt cx="337680" cy="455400"/>
+          </a:xfrm>
+        </p:grpSpPr>
+        <p:sp>
+          <p:nvSpPr>
+            <p:cNvPr id="130" name="CustomShape 54">
+              <a:extLst>
+                <a:ext uri="{FF2B5EF4-FFF2-40B4-BE49-F238E27FC236}">
+                  <a16:creationId xmlns:a16="http://schemas.microsoft.com/office/drawing/2014/main" id="{0D27F92D-AE59-4313-97F2-0EEC9A8214CA}"/>
+                </a:ext>
+              </a:extLst>
+            </p:cNvPr>
+            <p:cNvSpPr/>
+            <p:nvPr/>
+          </p:nvSpPr>
+          <p:spPr>
+            <a:xfrm>
+              <a:off x="6341400" y="3640320"/>
+              <a:ext cx="337680" cy="337680"/>
+            </a:xfrm>
+            <a:prstGeom prst="ellipse">
+              <a:avLst/>
+            </a:prstGeom>
+            <a:noFill/>
+            <a:ln w="38160">
+              <a:solidFill>
+                <a:srgbClr val="002060"/>
+              </a:solidFill>
+            </a:ln>
+          </p:spPr>
+          <p:style>
+            <a:lnRef idx="2">
+              <a:schemeClr val="accent1">
+                <a:shade val="50000"/>
+              </a:schemeClr>
+            </a:lnRef>
+            <a:fillRef idx="1">
+              <a:schemeClr val="accent1"/>
+            </a:fillRef>
+            <a:effectRef idx="0">
+              <a:schemeClr val="accent1"/>
+            </a:effectRef>
+            <a:fontRef idx="minor"/>
+          </p:style>
+        </p:sp>
+        <p:sp>
+          <p:nvSpPr>
+            <p:cNvPr id="131" name="CustomShape 55">
+              <a:extLst>
+                <a:ext uri="{FF2B5EF4-FFF2-40B4-BE49-F238E27FC236}">
+                  <a16:creationId xmlns:a16="http://schemas.microsoft.com/office/drawing/2014/main" id="{9F58550E-FA7E-4516-AE5B-235D959BD748}"/>
+                </a:ext>
+              </a:extLst>
+            </p:cNvPr>
+            <p:cNvSpPr/>
+            <p:nvPr/>
+          </p:nvSpPr>
+          <p:spPr>
+            <a:xfrm>
+              <a:off x="6345720" y="3552247"/>
+              <a:ext cx="317520" cy="455400"/>
+            </a:xfrm>
+            <a:prstGeom prst="rect">
+              <a:avLst/>
+            </a:prstGeom>
+            <a:noFill/>
+            <a:ln>
+              <a:noFill/>
+            </a:ln>
+          </p:spPr>
+          <p:style>
+            <a:lnRef idx="0">
+              <a:scrgbClr r="0" g="0" b="0"/>
+            </a:lnRef>
+            <a:fillRef idx="0">
+              <a:scrgbClr r="0" g="0" b="0"/>
+            </a:fillRef>
+            <a:effectRef idx="0">
+              <a:scrgbClr r="0" g="0" b="0"/>
+            </a:effectRef>
+            <a:fontRef idx="minor"/>
+          </p:style>
+          <p:txBody>
+            <a:bodyPr lIns="90000" tIns="45000" rIns="90000" bIns="45000"/>
+            <a:lstStyle/>
+            <a:p>
+              <a:pPr algn="ctr">
+                <a:lnSpc>
+                  <a:spcPct val="100000"/>
+                </a:lnSpc>
+              </a:pPr>
+              <a:r>
+                <a:rPr lang="en-US" altLang="zh-CN" sz="2400" b="0" strike="noStrike" spc="-1" dirty="0">
+                  <a:solidFill>
+                    <a:srgbClr val="000000"/>
+                  </a:solidFill>
+                  <a:latin typeface="Times New Roman"/>
+                </a:rPr>
+                <a:t>-</a:t>
+              </a:r>
+              <a:endParaRPr lang="en-US" sz="2400" b="0" strike="noStrike" spc="-1" dirty="0">
+                <a:latin typeface="Arial"/>
+              </a:endParaRPr>
+            </a:p>
+          </p:txBody>
+        </p:sp>
+      </p:grpSp>
+      <p:sp>
+        <p:nvSpPr>
+          <p:cNvPr id="135" name="CustomShape 69">
+            <a:extLst>
+              <a:ext uri="{FF2B5EF4-FFF2-40B4-BE49-F238E27FC236}">
+                <a16:creationId xmlns:a16="http://schemas.microsoft.com/office/drawing/2014/main" id="{B9972E7F-B6DE-47D1-BA22-EB2C45C1F411}"/>
+              </a:ext>
+            </a:extLst>
+          </p:cNvPr>
+          <p:cNvSpPr/>
+          <p:nvPr/>
+        </p:nvSpPr>
+        <p:spPr>
+          <a:xfrm rot="16200000" flipV="1">
+            <a:off x="8346500" y="4882797"/>
+            <a:ext cx="299520" cy="122040"/>
+          </a:xfrm>
+          <a:custGeom>
+            <a:avLst/>
+            <a:gdLst/>
+            <a:ahLst/>
+            <a:cxnLst/>
+            <a:rect l="l" t="t" r="r" b="b"/>
+            <a:pathLst>
+              <a:path w="4420" h="2420">
+                <a:moveTo>
+                  <a:pt x="4220" y="1020"/>
+                </a:moveTo>
+                <a:lnTo>
+                  <a:pt x="703" y="1020"/>
+                </a:lnTo>
+                <a:lnTo>
+                  <a:pt x="1361" y="361"/>
+                </a:lnTo>
+                <a:cubicBezTo>
+                  <a:pt x="1440" y="283"/>
+                  <a:pt x="1440" y="157"/>
+                  <a:pt x="1361" y="79"/>
+                </a:cubicBezTo>
+                <a:cubicBezTo>
+                  <a:pt x="1283" y="0"/>
+                  <a:pt x="1157" y="0"/>
+                  <a:pt x="1079" y="79"/>
+                </a:cubicBezTo>
+                <a:lnTo>
+                  <a:pt x="79" y="1079"/>
+                </a:lnTo>
+                <a:cubicBezTo>
+                  <a:pt x="0" y="1157"/>
+                  <a:pt x="0" y="1283"/>
+                  <a:pt x="79" y="1361"/>
+                </a:cubicBezTo>
+                <a:lnTo>
+                  <a:pt x="1079" y="2361"/>
+                </a:lnTo>
+                <a:cubicBezTo>
+                  <a:pt x="1118" y="2400"/>
+                  <a:pt x="1169" y="2420"/>
+                  <a:pt x="1220" y="2420"/>
+                </a:cubicBezTo>
+                <a:cubicBezTo>
+                  <a:pt x="1271" y="2420"/>
+                  <a:pt x="1322" y="2400"/>
+                  <a:pt x="1361" y="2361"/>
+                </a:cubicBezTo>
+                <a:cubicBezTo>
+                  <a:pt x="1440" y="2283"/>
+                  <a:pt x="1440" y="2157"/>
+                  <a:pt x="1361" y="2079"/>
+                </a:cubicBezTo>
+                <a:lnTo>
+                  <a:pt x="703" y="1420"/>
+                </a:lnTo>
+                <a:lnTo>
+                  <a:pt x="4220" y="1420"/>
+                </a:lnTo>
+                <a:cubicBezTo>
+                  <a:pt x="4330" y="1420"/>
+                  <a:pt x="4420" y="1330"/>
+                  <a:pt x="4420" y="1220"/>
+                </a:cubicBezTo>
+                <a:cubicBezTo>
+                  <a:pt x="4420" y="1110"/>
+                  <a:pt x="4330" y="1020"/>
+                  <a:pt x="4220" y="1020"/>
+                </a:cubicBezTo>
+                <a:close/>
+              </a:path>
+            </a:pathLst>
+          </a:custGeom>
+          <a:solidFill>
+            <a:srgbClr val="FF0000"/>
+          </a:solidFill>
+          <a:ln>
+            <a:solidFill>
+              <a:srgbClr val="FF0000"/>
+            </a:solidFill>
+          </a:ln>
+        </p:spPr>
+        <p:style>
+          <a:lnRef idx="0">
+            <a:scrgbClr r="0" g="0" b="0"/>
+          </a:lnRef>
+          <a:fillRef idx="0">
+            <a:scrgbClr r="0" g="0" b="0"/>
+          </a:fillRef>
+          <a:effectRef idx="0">
+            <a:scrgbClr r="0" g="0" b="0"/>
+          </a:effectRef>
+          <a:fontRef idx="minor"/>
+        </p:style>
+      </p:sp>
     </p:spTree>
     <p:extLst>
       <p:ext uri="{BB962C8B-B14F-4D97-AF65-F5344CB8AC3E}">
